--- a/figs/homotopy_figs.pptx
+++ b/figs/homotopy_figs.pptx
@@ -5,7 +5,7 @@
     <p:sldMasterId id="2147483780" r:id="rId1"/>
   </p:sldMasterIdLst>
   <p:notesMasterIdLst>
-    <p:notesMasterId r:id="rId13"/>
+    <p:notesMasterId r:id="rId14"/>
   </p:notesMasterIdLst>
   <p:sldIdLst>
     <p:sldId id="256" r:id="rId2"/>
@@ -19,6 +19,7 @@
     <p:sldId id="266" r:id="rId10"/>
     <p:sldId id="263" r:id="rId11"/>
     <p:sldId id="265" r:id="rId12"/>
+    <p:sldId id="267" r:id="rId13"/>
   </p:sldIdLst>
   <p:sldSz cx="11887200" cy="3657600"/>
   <p:notesSz cx="6858000" cy="9144000"/>
@@ -207,7 +208,7 @@
           <a:p>
             <a:fld id="{6EDE298B-39D4-FC48-8956-DECCD87B1631}" type="datetimeFigureOut">
               <a:rPr lang="en-US" smtClean="0"/>
-              <a:t>5/26/20</a:t>
+              <a:t>5/27/20</a:t>
             </a:fld>
             <a:endParaRPr lang="en-US"/>
           </a:p>
@@ -941,7 +942,7 @@
           <a:p>
             <a:fld id="{1BCF82A1-9590-FA4C-B8E0-EE067C0CCDFF}" type="datetimeFigureOut">
               <a:rPr lang="en-US" smtClean="0"/>
-              <a:t>5/26/20</a:t>
+              <a:t>5/27/20</a:t>
             </a:fld>
             <a:endParaRPr lang="en-US"/>
           </a:p>
@@ -1111,7 +1112,7 @@
           <a:p>
             <a:fld id="{1BCF82A1-9590-FA4C-B8E0-EE067C0CCDFF}" type="datetimeFigureOut">
               <a:rPr lang="en-US" smtClean="0"/>
-              <a:t>5/26/20</a:t>
+              <a:t>5/27/20</a:t>
             </a:fld>
             <a:endParaRPr lang="en-US"/>
           </a:p>
@@ -1291,7 +1292,7 @@
           <a:p>
             <a:fld id="{1BCF82A1-9590-FA4C-B8E0-EE067C0CCDFF}" type="datetimeFigureOut">
               <a:rPr lang="en-US" smtClean="0"/>
-              <a:t>5/26/20</a:t>
+              <a:t>5/27/20</a:t>
             </a:fld>
             <a:endParaRPr lang="en-US"/>
           </a:p>
@@ -1461,7 +1462,7 @@
           <a:p>
             <a:fld id="{1BCF82A1-9590-FA4C-B8E0-EE067C0CCDFF}" type="datetimeFigureOut">
               <a:rPr lang="en-US" smtClean="0"/>
-              <a:t>5/26/20</a:t>
+              <a:t>5/27/20</a:t>
             </a:fld>
             <a:endParaRPr lang="en-US"/>
           </a:p>
@@ -1707,7 +1708,7 @@
           <a:p>
             <a:fld id="{1BCF82A1-9590-FA4C-B8E0-EE067C0CCDFF}" type="datetimeFigureOut">
               <a:rPr lang="en-US" smtClean="0"/>
-              <a:t>5/26/20</a:t>
+              <a:t>5/27/20</a:t>
             </a:fld>
             <a:endParaRPr lang="en-US"/>
           </a:p>
@@ -1939,7 +1940,7 @@
           <a:p>
             <a:fld id="{1BCF82A1-9590-FA4C-B8E0-EE067C0CCDFF}" type="datetimeFigureOut">
               <a:rPr lang="en-US" smtClean="0"/>
-              <a:t>5/26/20</a:t>
+              <a:t>5/27/20</a:t>
             </a:fld>
             <a:endParaRPr lang="en-US"/>
           </a:p>
@@ -2306,7 +2307,7 @@
           <a:p>
             <a:fld id="{1BCF82A1-9590-FA4C-B8E0-EE067C0CCDFF}" type="datetimeFigureOut">
               <a:rPr lang="en-US" smtClean="0"/>
-              <a:t>5/26/20</a:t>
+              <a:t>5/27/20</a:t>
             </a:fld>
             <a:endParaRPr lang="en-US"/>
           </a:p>
@@ -2424,7 +2425,7 @@
           <a:p>
             <a:fld id="{1BCF82A1-9590-FA4C-B8E0-EE067C0CCDFF}" type="datetimeFigureOut">
               <a:rPr lang="en-US" smtClean="0"/>
-              <a:t>5/26/20</a:t>
+              <a:t>5/27/20</a:t>
             </a:fld>
             <a:endParaRPr lang="en-US"/>
           </a:p>
@@ -2519,7 +2520,7 @@
           <a:p>
             <a:fld id="{1BCF82A1-9590-FA4C-B8E0-EE067C0CCDFF}" type="datetimeFigureOut">
               <a:rPr lang="en-US" smtClean="0"/>
-              <a:t>5/26/20</a:t>
+              <a:t>5/27/20</a:t>
             </a:fld>
             <a:endParaRPr lang="en-US"/>
           </a:p>
@@ -2796,7 +2797,7 @@
           <a:p>
             <a:fld id="{1BCF82A1-9590-FA4C-B8E0-EE067C0CCDFF}" type="datetimeFigureOut">
               <a:rPr lang="en-US" smtClean="0"/>
-              <a:t>5/26/20</a:t>
+              <a:t>5/27/20</a:t>
             </a:fld>
             <a:endParaRPr lang="en-US"/>
           </a:p>
@@ -3053,7 +3054,7 @@
           <a:p>
             <a:fld id="{1BCF82A1-9590-FA4C-B8E0-EE067C0CCDFF}" type="datetimeFigureOut">
               <a:rPr lang="en-US" smtClean="0"/>
-              <a:t>5/26/20</a:t>
+              <a:t>5/27/20</a:t>
             </a:fld>
             <a:endParaRPr lang="en-US"/>
           </a:p>
@@ -3266,7 +3267,7 @@
           <a:p>
             <a:fld id="{1BCF82A1-9590-FA4C-B8E0-EE067C0CCDFF}" type="datetimeFigureOut">
               <a:rPr lang="en-US" smtClean="0"/>
-              <a:t>5/26/20</a:t>
+              <a:t>5/27/20</a:t>
             </a:fld>
             <a:endParaRPr lang="en-US"/>
           </a:p>
@@ -6825,10 +6826,2894 @@
           <a:chExt cx="0" cy="0"/>
         </a:xfrm>
       </p:grpSpPr>
+      <p:grpSp>
+        <p:nvGrpSpPr>
+          <p:cNvPr id="99" name="Group 98">
+            <a:extLst>
+              <a:ext uri="{FF2B5EF4-FFF2-40B4-BE49-F238E27FC236}">
+                <a16:creationId xmlns:a16="http://schemas.microsoft.com/office/drawing/2014/main" id="{910F2BAE-F6F8-464C-8AA5-777E8AD6F4E7}"/>
+              </a:ext>
+            </a:extLst>
+          </p:cNvPr>
+          <p:cNvGrpSpPr/>
+          <p:nvPr/>
+        </p:nvGrpSpPr>
+        <p:grpSpPr>
+          <a:xfrm>
+            <a:off x="5449078" y="0"/>
+            <a:ext cx="3283713" cy="2837254"/>
+            <a:chOff x="4023981" y="0"/>
+            <a:chExt cx="3805214" cy="3657600"/>
+          </a:xfrm>
+        </p:grpSpPr>
+        <p:pic>
+          <p:nvPicPr>
+            <p:cNvPr id="5" name="Picture 4" descr="A picture containing table&#10;&#10;Description automatically generated">
+              <a:extLst>
+                <a:ext uri="{FF2B5EF4-FFF2-40B4-BE49-F238E27FC236}">
+                  <a16:creationId xmlns:a16="http://schemas.microsoft.com/office/drawing/2014/main" id="{5CB22AF6-2631-1A41-BCE9-D07DF8645FCA}"/>
+                </a:ext>
+              </a:extLst>
+            </p:cNvPr>
+            <p:cNvPicPr>
+              <a:picLocks noChangeAspect="1"/>
+            </p:cNvPicPr>
+            <p:nvPr/>
+          </p:nvPicPr>
+          <p:blipFill rotWithShape="1">
+            <a:blip r:embed="rId2"/>
+            <a:srcRect l="21438" r="21943"/>
+            <a:stretch/>
+          </p:blipFill>
+          <p:spPr>
+            <a:xfrm>
+              <a:off x="4023981" y="0"/>
+              <a:ext cx="3805214" cy="3657600"/>
+            </a:xfrm>
+            <a:prstGeom prst="rect">
+              <a:avLst/>
+            </a:prstGeom>
+          </p:spPr>
+        </p:pic>
+        <p:sp>
+          <p:nvSpPr>
+            <p:cNvPr id="27" name="Oval 26">
+              <a:extLst>
+                <a:ext uri="{FF2B5EF4-FFF2-40B4-BE49-F238E27FC236}">
+                  <a16:creationId xmlns:a16="http://schemas.microsoft.com/office/drawing/2014/main" id="{05F0A412-57CE-1845-AD9A-BC0EFECBF91D}"/>
+                </a:ext>
+              </a:extLst>
+            </p:cNvPr>
+            <p:cNvSpPr/>
+            <p:nvPr/>
+          </p:nvSpPr>
+          <p:spPr>
+            <a:xfrm>
+              <a:off x="4822767" y="869950"/>
+              <a:ext cx="91440" cy="91440"/>
+            </a:xfrm>
+            <a:prstGeom prst="ellipse">
+              <a:avLst/>
+            </a:prstGeom>
+            <a:solidFill>
+              <a:srgbClr val="00FDFF"/>
+            </a:solidFill>
+            <a:ln>
+              <a:noFill/>
+            </a:ln>
+          </p:spPr>
+          <p:style>
+            <a:lnRef idx="2">
+              <a:schemeClr val="accent1">
+                <a:shade val="50000"/>
+              </a:schemeClr>
+            </a:lnRef>
+            <a:fillRef idx="1">
+              <a:schemeClr val="accent1"/>
+            </a:fillRef>
+            <a:effectRef idx="0">
+              <a:schemeClr val="accent1"/>
+            </a:effectRef>
+            <a:fontRef idx="minor">
+              <a:schemeClr val="lt1"/>
+            </a:fontRef>
+          </p:style>
+          <p:txBody>
+            <a:bodyPr rtlCol="0" anchor="ctr"/>
+            <a:lstStyle/>
+            <a:p>
+              <a:pPr algn="ctr"/>
+              <a:endParaRPr lang="en-US"/>
+            </a:p>
+          </p:txBody>
+        </p:sp>
+        <p:sp>
+          <p:nvSpPr>
+            <p:cNvPr id="28" name="Oval 27">
+              <a:extLst>
+                <a:ext uri="{FF2B5EF4-FFF2-40B4-BE49-F238E27FC236}">
+                  <a16:creationId xmlns:a16="http://schemas.microsoft.com/office/drawing/2014/main" id="{F48512C8-1AB9-974D-A904-39B93379CE3D}"/>
+                </a:ext>
+              </a:extLst>
+            </p:cNvPr>
+            <p:cNvSpPr/>
+            <p:nvPr/>
+          </p:nvSpPr>
+          <p:spPr>
+            <a:xfrm>
+              <a:off x="4991792" y="1022350"/>
+              <a:ext cx="91440" cy="91440"/>
+            </a:xfrm>
+            <a:prstGeom prst="ellipse">
+              <a:avLst/>
+            </a:prstGeom>
+            <a:solidFill>
+              <a:srgbClr val="00FDFF"/>
+            </a:solidFill>
+            <a:ln>
+              <a:noFill/>
+            </a:ln>
+          </p:spPr>
+          <p:style>
+            <a:lnRef idx="2">
+              <a:schemeClr val="accent1">
+                <a:shade val="50000"/>
+              </a:schemeClr>
+            </a:lnRef>
+            <a:fillRef idx="1">
+              <a:schemeClr val="accent1"/>
+            </a:fillRef>
+            <a:effectRef idx="0">
+              <a:schemeClr val="accent1"/>
+            </a:effectRef>
+            <a:fontRef idx="minor">
+              <a:schemeClr val="lt1"/>
+            </a:fontRef>
+          </p:style>
+          <p:txBody>
+            <a:bodyPr rtlCol="0" anchor="ctr"/>
+            <a:lstStyle/>
+            <a:p>
+              <a:pPr algn="ctr"/>
+              <a:endParaRPr lang="en-US"/>
+            </a:p>
+          </p:txBody>
+        </p:sp>
+        <p:sp>
+          <p:nvSpPr>
+            <p:cNvPr id="29" name="Oval 28">
+              <a:extLst>
+                <a:ext uri="{FF2B5EF4-FFF2-40B4-BE49-F238E27FC236}">
+                  <a16:creationId xmlns:a16="http://schemas.microsoft.com/office/drawing/2014/main" id="{6ED58617-82DD-BD4B-8862-DDBA9619FAF2}"/>
+                </a:ext>
+              </a:extLst>
+            </p:cNvPr>
+            <p:cNvSpPr/>
+            <p:nvPr/>
+          </p:nvSpPr>
+          <p:spPr>
+            <a:xfrm>
+              <a:off x="5155276" y="1138451"/>
+              <a:ext cx="91440" cy="91440"/>
+            </a:xfrm>
+            <a:prstGeom prst="ellipse">
+              <a:avLst/>
+            </a:prstGeom>
+            <a:solidFill>
+              <a:srgbClr val="00FDFF"/>
+            </a:solidFill>
+            <a:ln>
+              <a:noFill/>
+            </a:ln>
+          </p:spPr>
+          <p:style>
+            <a:lnRef idx="2">
+              <a:schemeClr val="accent1">
+                <a:shade val="50000"/>
+              </a:schemeClr>
+            </a:lnRef>
+            <a:fillRef idx="1">
+              <a:schemeClr val="accent1"/>
+            </a:fillRef>
+            <a:effectRef idx="0">
+              <a:schemeClr val="accent1"/>
+            </a:effectRef>
+            <a:fontRef idx="minor">
+              <a:schemeClr val="lt1"/>
+            </a:fontRef>
+          </p:style>
+          <p:txBody>
+            <a:bodyPr rtlCol="0" anchor="ctr"/>
+            <a:lstStyle/>
+            <a:p>
+              <a:pPr algn="ctr"/>
+              <a:endParaRPr lang="en-US"/>
+            </a:p>
+          </p:txBody>
+        </p:sp>
+        <p:sp>
+          <p:nvSpPr>
+            <p:cNvPr id="30" name="Oval 29">
+              <a:extLst>
+                <a:ext uri="{FF2B5EF4-FFF2-40B4-BE49-F238E27FC236}">
+                  <a16:creationId xmlns:a16="http://schemas.microsoft.com/office/drawing/2014/main" id="{5B6EE5EC-5862-CA4A-90A5-4B9C5B002E30}"/>
+                </a:ext>
+              </a:extLst>
+            </p:cNvPr>
+            <p:cNvSpPr/>
+            <p:nvPr/>
+          </p:nvSpPr>
+          <p:spPr>
+            <a:xfrm>
+              <a:off x="5318759" y="1293899"/>
+              <a:ext cx="91440" cy="91440"/>
+            </a:xfrm>
+            <a:prstGeom prst="ellipse">
+              <a:avLst/>
+            </a:prstGeom>
+            <a:solidFill>
+              <a:srgbClr val="00FDFF"/>
+            </a:solidFill>
+            <a:ln>
+              <a:noFill/>
+            </a:ln>
+          </p:spPr>
+          <p:style>
+            <a:lnRef idx="2">
+              <a:schemeClr val="accent1">
+                <a:shade val="50000"/>
+              </a:schemeClr>
+            </a:lnRef>
+            <a:fillRef idx="1">
+              <a:schemeClr val="accent1"/>
+            </a:fillRef>
+            <a:effectRef idx="0">
+              <a:schemeClr val="accent1"/>
+            </a:effectRef>
+            <a:fontRef idx="minor">
+              <a:schemeClr val="lt1"/>
+            </a:fontRef>
+          </p:style>
+          <p:txBody>
+            <a:bodyPr rtlCol="0" anchor="ctr"/>
+            <a:lstStyle/>
+            <a:p>
+              <a:pPr algn="ctr"/>
+              <a:endParaRPr lang="en-US"/>
+            </a:p>
+          </p:txBody>
+        </p:sp>
+        <p:sp>
+          <p:nvSpPr>
+            <p:cNvPr id="31" name="Oval 30">
+              <a:extLst>
+                <a:ext uri="{FF2B5EF4-FFF2-40B4-BE49-F238E27FC236}">
+                  <a16:creationId xmlns:a16="http://schemas.microsoft.com/office/drawing/2014/main" id="{6A749EBB-5B63-484F-BEEC-588FBE725D40}"/>
+                </a:ext>
+              </a:extLst>
+            </p:cNvPr>
+            <p:cNvSpPr/>
+            <p:nvPr/>
+          </p:nvSpPr>
+          <p:spPr>
+            <a:xfrm>
+              <a:off x="5471159" y="1403627"/>
+              <a:ext cx="91440" cy="91440"/>
+            </a:xfrm>
+            <a:prstGeom prst="ellipse">
+              <a:avLst/>
+            </a:prstGeom>
+            <a:solidFill>
+              <a:srgbClr val="00FDFF"/>
+            </a:solidFill>
+            <a:ln>
+              <a:noFill/>
+            </a:ln>
+          </p:spPr>
+          <p:style>
+            <a:lnRef idx="2">
+              <a:schemeClr val="accent1">
+                <a:shade val="50000"/>
+              </a:schemeClr>
+            </a:lnRef>
+            <a:fillRef idx="1">
+              <a:schemeClr val="accent1"/>
+            </a:fillRef>
+            <a:effectRef idx="0">
+              <a:schemeClr val="accent1"/>
+            </a:effectRef>
+            <a:fontRef idx="minor">
+              <a:schemeClr val="lt1"/>
+            </a:fontRef>
+          </p:style>
+          <p:txBody>
+            <a:bodyPr rtlCol="0" anchor="ctr"/>
+            <a:lstStyle/>
+            <a:p>
+              <a:pPr algn="ctr"/>
+              <a:endParaRPr lang="en-US"/>
+            </a:p>
+          </p:txBody>
+        </p:sp>
+        <p:cxnSp>
+          <p:nvCxnSpPr>
+            <p:cNvPr id="34" name="Straight Connector 33">
+              <a:extLst>
+                <a:ext uri="{FF2B5EF4-FFF2-40B4-BE49-F238E27FC236}">
+                  <a16:creationId xmlns:a16="http://schemas.microsoft.com/office/drawing/2014/main" id="{66AF76B5-392D-614D-93FA-BDBAC677D950}"/>
+                </a:ext>
+              </a:extLst>
+            </p:cNvPr>
+            <p:cNvCxnSpPr>
+              <a:cxnSpLocks/>
+              <a:stCxn id="24" idx="1"/>
+              <a:endCxn id="27" idx="1"/>
+            </p:cNvCxnSpPr>
+            <p:nvPr/>
+          </p:nvCxnSpPr>
+          <p:spPr>
+            <a:xfrm>
+              <a:off x="4650507" y="730941"/>
+              <a:ext cx="185651" cy="152400"/>
+            </a:xfrm>
+            <a:prstGeom prst="line">
+              <a:avLst/>
+            </a:prstGeom>
+            <a:ln w="22225">
+              <a:solidFill>
+                <a:srgbClr val="00FDFF"/>
+              </a:solidFill>
+            </a:ln>
+          </p:spPr>
+          <p:style>
+            <a:lnRef idx="1">
+              <a:schemeClr val="accent1"/>
+            </a:lnRef>
+            <a:fillRef idx="0">
+              <a:schemeClr val="accent1"/>
+            </a:fillRef>
+            <a:effectRef idx="0">
+              <a:schemeClr val="accent1"/>
+            </a:effectRef>
+            <a:fontRef idx="minor">
+              <a:schemeClr val="tx1"/>
+            </a:fontRef>
+          </p:style>
+        </p:cxnSp>
+        <p:grpSp>
+          <p:nvGrpSpPr>
+            <p:cNvPr id="97" name="Group 96">
+              <a:extLst>
+                <a:ext uri="{FF2B5EF4-FFF2-40B4-BE49-F238E27FC236}">
+                  <a16:creationId xmlns:a16="http://schemas.microsoft.com/office/drawing/2014/main" id="{5780D262-40F9-4243-8F3C-D3B4B45F224A}"/>
+                </a:ext>
+              </a:extLst>
+            </p:cNvPr>
+            <p:cNvGrpSpPr/>
+            <p:nvPr/>
+          </p:nvGrpSpPr>
+          <p:grpSpPr>
+            <a:xfrm>
+              <a:off x="4637116" y="717550"/>
+              <a:ext cx="1058833" cy="868957"/>
+              <a:chOff x="4637116" y="717550"/>
+              <a:chExt cx="1058833" cy="868957"/>
+            </a:xfrm>
+          </p:grpSpPr>
+          <p:sp>
+            <p:nvSpPr>
+              <p:cNvPr id="24" name="Oval 23">
+                <a:extLst>
+                  <a:ext uri="{FF2B5EF4-FFF2-40B4-BE49-F238E27FC236}">
+                    <a16:creationId xmlns:a16="http://schemas.microsoft.com/office/drawing/2014/main" id="{77BBF0F4-F3EB-C447-B37F-497E95732F41}"/>
+                  </a:ext>
+                </a:extLst>
+              </p:cNvPr>
+              <p:cNvSpPr/>
+              <p:nvPr/>
+            </p:nvSpPr>
+            <p:spPr>
+              <a:xfrm>
+                <a:off x="4637116" y="717550"/>
+                <a:ext cx="91440" cy="91440"/>
+              </a:xfrm>
+              <a:prstGeom prst="ellipse">
+                <a:avLst/>
+              </a:prstGeom>
+              <a:solidFill>
+                <a:srgbClr val="00FDFF"/>
+              </a:solidFill>
+              <a:ln>
+                <a:noFill/>
+              </a:ln>
+            </p:spPr>
+            <p:style>
+              <a:lnRef idx="2">
+                <a:schemeClr val="accent1">
+                  <a:shade val="50000"/>
+                </a:schemeClr>
+              </a:lnRef>
+              <a:fillRef idx="1">
+                <a:schemeClr val="accent1"/>
+              </a:fillRef>
+              <a:effectRef idx="0">
+                <a:schemeClr val="accent1"/>
+              </a:effectRef>
+              <a:fontRef idx="minor">
+                <a:schemeClr val="lt1"/>
+              </a:fontRef>
+            </p:style>
+            <p:txBody>
+              <a:bodyPr rtlCol="0" anchor="ctr"/>
+              <a:lstStyle/>
+              <a:p>
+                <a:pPr algn="ctr"/>
+                <a:endParaRPr lang="en-US"/>
+              </a:p>
+            </p:txBody>
+          </p:sp>
+          <p:sp>
+            <p:nvSpPr>
+              <p:cNvPr id="32" name="Oval 31">
+                <a:extLst>
+                  <a:ext uri="{FF2B5EF4-FFF2-40B4-BE49-F238E27FC236}">
+                    <a16:creationId xmlns:a16="http://schemas.microsoft.com/office/drawing/2014/main" id="{A86D2C77-78AB-3A49-B632-C565968847AD}"/>
+                  </a:ext>
+                </a:extLst>
+              </p:cNvPr>
+              <p:cNvSpPr/>
+              <p:nvPr/>
+            </p:nvSpPr>
+            <p:spPr>
+              <a:xfrm>
+                <a:off x="5604509" y="1495067"/>
+                <a:ext cx="91440" cy="91440"/>
+              </a:xfrm>
+              <a:prstGeom prst="ellipse">
+                <a:avLst/>
+              </a:prstGeom>
+              <a:solidFill>
+                <a:srgbClr val="00FDFF"/>
+              </a:solidFill>
+              <a:ln>
+                <a:noFill/>
+              </a:ln>
+            </p:spPr>
+            <p:style>
+              <a:lnRef idx="2">
+                <a:schemeClr val="accent1">
+                  <a:shade val="50000"/>
+                </a:schemeClr>
+              </a:lnRef>
+              <a:fillRef idx="1">
+                <a:schemeClr val="accent1"/>
+              </a:fillRef>
+              <a:effectRef idx="0">
+                <a:schemeClr val="accent1"/>
+              </a:effectRef>
+              <a:fontRef idx="minor">
+                <a:schemeClr val="lt1"/>
+              </a:fontRef>
+            </p:style>
+            <p:txBody>
+              <a:bodyPr rtlCol="0" anchor="ctr"/>
+              <a:lstStyle/>
+              <a:p>
+                <a:pPr algn="ctr"/>
+                <a:endParaRPr lang="en-US"/>
+              </a:p>
+            </p:txBody>
+          </p:sp>
+          <p:cxnSp>
+            <p:nvCxnSpPr>
+              <p:cNvPr id="37" name="Straight Connector 36">
+                <a:extLst>
+                  <a:ext uri="{FF2B5EF4-FFF2-40B4-BE49-F238E27FC236}">
+                    <a16:creationId xmlns:a16="http://schemas.microsoft.com/office/drawing/2014/main" id="{784D272B-200F-0746-B3EB-2C845BF5FB1C}"/>
+                  </a:ext>
+                </a:extLst>
+              </p:cNvPr>
+              <p:cNvCxnSpPr>
+                <a:cxnSpLocks/>
+                <a:stCxn id="27" idx="1"/>
+                <a:endCxn id="28" idx="1"/>
+              </p:cNvCxnSpPr>
+              <p:nvPr/>
+            </p:nvCxnSpPr>
+            <p:spPr>
+              <a:xfrm>
+                <a:off x="4836158" y="883341"/>
+                <a:ext cx="169025" cy="152400"/>
+              </a:xfrm>
+              <a:prstGeom prst="line">
+                <a:avLst/>
+              </a:prstGeom>
+              <a:ln w="22225">
+                <a:solidFill>
+                  <a:srgbClr val="00FDFF"/>
+                </a:solidFill>
+              </a:ln>
+            </p:spPr>
+            <p:style>
+              <a:lnRef idx="1">
+                <a:schemeClr val="accent1"/>
+              </a:lnRef>
+              <a:fillRef idx="0">
+                <a:schemeClr val="accent1"/>
+              </a:fillRef>
+              <a:effectRef idx="0">
+                <a:schemeClr val="accent1"/>
+              </a:effectRef>
+              <a:fontRef idx="minor">
+                <a:schemeClr val="tx1"/>
+              </a:fontRef>
+            </p:style>
+          </p:cxnSp>
+          <p:cxnSp>
+            <p:nvCxnSpPr>
+              <p:cNvPr id="42" name="Straight Connector 41">
+                <a:extLst>
+                  <a:ext uri="{FF2B5EF4-FFF2-40B4-BE49-F238E27FC236}">
+                    <a16:creationId xmlns:a16="http://schemas.microsoft.com/office/drawing/2014/main" id="{11A6114F-18D0-D14F-B0C1-10989F450492}"/>
+                  </a:ext>
+                </a:extLst>
+              </p:cNvPr>
+              <p:cNvCxnSpPr>
+                <a:cxnSpLocks/>
+                <a:stCxn id="28" idx="1"/>
+                <a:endCxn id="29" idx="1"/>
+              </p:cNvCxnSpPr>
+              <p:nvPr/>
+            </p:nvCxnSpPr>
+            <p:spPr>
+              <a:xfrm>
+                <a:off x="5005183" y="1035741"/>
+                <a:ext cx="163484" cy="116101"/>
+              </a:xfrm>
+              <a:prstGeom prst="line">
+                <a:avLst/>
+              </a:prstGeom>
+              <a:ln w="22225">
+                <a:solidFill>
+                  <a:srgbClr val="00FDFF"/>
+                </a:solidFill>
+              </a:ln>
+            </p:spPr>
+            <p:style>
+              <a:lnRef idx="1">
+                <a:schemeClr val="accent1"/>
+              </a:lnRef>
+              <a:fillRef idx="0">
+                <a:schemeClr val="accent1"/>
+              </a:fillRef>
+              <a:effectRef idx="0">
+                <a:schemeClr val="accent1"/>
+              </a:effectRef>
+              <a:fontRef idx="minor">
+                <a:schemeClr val="tx1"/>
+              </a:fontRef>
+            </p:style>
+          </p:cxnSp>
+          <p:cxnSp>
+            <p:nvCxnSpPr>
+              <p:cNvPr id="45" name="Straight Connector 44">
+                <a:extLst>
+                  <a:ext uri="{FF2B5EF4-FFF2-40B4-BE49-F238E27FC236}">
+                    <a16:creationId xmlns:a16="http://schemas.microsoft.com/office/drawing/2014/main" id="{3F91E445-C359-8E46-9AF0-FB9FA4038EC7}"/>
+                  </a:ext>
+                </a:extLst>
+              </p:cNvPr>
+              <p:cNvCxnSpPr>
+                <a:cxnSpLocks/>
+                <a:stCxn id="29" idx="1"/>
+                <a:endCxn id="30" idx="1"/>
+              </p:cNvCxnSpPr>
+              <p:nvPr/>
+            </p:nvCxnSpPr>
+            <p:spPr>
+              <a:xfrm>
+                <a:off x="5168667" y="1151842"/>
+                <a:ext cx="163483" cy="155448"/>
+              </a:xfrm>
+              <a:prstGeom prst="line">
+                <a:avLst/>
+              </a:prstGeom>
+              <a:ln w="22225">
+                <a:solidFill>
+                  <a:srgbClr val="00FDFF"/>
+                </a:solidFill>
+              </a:ln>
+            </p:spPr>
+            <p:style>
+              <a:lnRef idx="1">
+                <a:schemeClr val="accent1"/>
+              </a:lnRef>
+              <a:fillRef idx="0">
+                <a:schemeClr val="accent1"/>
+              </a:fillRef>
+              <a:effectRef idx="0">
+                <a:schemeClr val="accent1"/>
+              </a:effectRef>
+              <a:fontRef idx="minor">
+                <a:schemeClr val="tx1"/>
+              </a:fontRef>
+            </p:style>
+          </p:cxnSp>
+          <p:cxnSp>
+            <p:nvCxnSpPr>
+              <p:cNvPr id="48" name="Straight Connector 47">
+                <a:extLst>
+                  <a:ext uri="{FF2B5EF4-FFF2-40B4-BE49-F238E27FC236}">
+                    <a16:creationId xmlns:a16="http://schemas.microsoft.com/office/drawing/2014/main" id="{012BC308-A10A-4442-A164-43604FA2A228}"/>
+                  </a:ext>
+                </a:extLst>
+              </p:cNvPr>
+              <p:cNvCxnSpPr>
+                <a:cxnSpLocks/>
+                <a:stCxn id="30" idx="1"/>
+                <a:endCxn id="31" idx="1"/>
+              </p:cNvCxnSpPr>
+              <p:nvPr/>
+            </p:nvCxnSpPr>
+            <p:spPr>
+              <a:xfrm>
+                <a:off x="5332150" y="1307290"/>
+                <a:ext cx="152400" cy="109728"/>
+              </a:xfrm>
+              <a:prstGeom prst="line">
+                <a:avLst/>
+              </a:prstGeom>
+              <a:ln w="22225">
+                <a:solidFill>
+                  <a:srgbClr val="00FDFF"/>
+                </a:solidFill>
+              </a:ln>
+            </p:spPr>
+            <p:style>
+              <a:lnRef idx="1">
+                <a:schemeClr val="accent1"/>
+              </a:lnRef>
+              <a:fillRef idx="0">
+                <a:schemeClr val="accent1"/>
+              </a:fillRef>
+              <a:effectRef idx="0">
+                <a:schemeClr val="accent1"/>
+              </a:effectRef>
+              <a:fontRef idx="minor">
+                <a:schemeClr val="tx1"/>
+              </a:fontRef>
+            </p:style>
+          </p:cxnSp>
+          <p:cxnSp>
+            <p:nvCxnSpPr>
+              <p:cNvPr id="51" name="Straight Connector 50">
+                <a:extLst>
+                  <a:ext uri="{FF2B5EF4-FFF2-40B4-BE49-F238E27FC236}">
+                    <a16:creationId xmlns:a16="http://schemas.microsoft.com/office/drawing/2014/main" id="{08DF0A92-0B0E-4D43-900C-C7F257C793E2}"/>
+                  </a:ext>
+                </a:extLst>
+              </p:cNvPr>
+              <p:cNvCxnSpPr>
+                <a:cxnSpLocks/>
+                <a:stCxn id="31" idx="1"/>
+                <a:endCxn id="32" idx="1"/>
+              </p:cNvCxnSpPr>
+              <p:nvPr/>
+            </p:nvCxnSpPr>
+            <p:spPr>
+              <a:xfrm>
+                <a:off x="5484550" y="1417018"/>
+                <a:ext cx="133350" cy="91440"/>
+              </a:xfrm>
+              <a:prstGeom prst="line">
+                <a:avLst/>
+              </a:prstGeom>
+              <a:ln w="22225">
+                <a:solidFill>
+                  <a:srgbClr val="00FDFF"/>
+                </a:solidFill>
+              </a:ln>
+            </p:spPr>
+            <p:style>
+              <a:lnRef idx="1">
+                <a:schemeClr val="accent1"/>
+              </a:lnRef>
+              <a:fillRef idx="0">
+                <a:schemeClr val="accent1"/>
+              </a:fillRef>
+              <a:effectRef idx="0">
+                <a:schemeClr val="accent1"/>
+              </a:effectRef>
+              <a:fontRef idx="minor">
+                <a:schemeClr val="tx1"/>
+              </a:fontRef>
+            </p:style>
+          </p:cxnSp>
+        </p:grpSp>
+        <p:sp>
+          <p:nvSpPr>
+            <p:cNvPr id="64" name="Oval 63">
+              <a:extLst>
+                <a:ext uri="{FF2B5EF4-FFF2-40B4-BE49-F238E27FC236}">
+                  <a16:creationId xmlns:a16="http://schemas.microsoft.com/office/drawing/2014/main" id="{B547AE89-E4DD-3647-A6CD-F60BB32ACFD5}"/>
+                </a:ext>
+              </a:extLst>
+            </p:cNvPr>
+            <p:cNvSpPr/>
+            <p:nvPr/>
+          </p:nvSpPr>
+          <p:spPr>
+            <a:xfrm>
+              <a:off x="6803136" y="898353"/>
+              <a:ext cx="91440" cy="91440"/>
+            </a:xfrm>
+            <a:prstGeom prst="ellipse">
+              <a:avLst/>
+            </a:prstGeom>
+            <a:solidFill>
+              <a:schemeClr val="accent2"/>
+            </a:solidFill>
+            <a:ln>
+              <a:noFill/>
+            </a:ln>
+          </p:spPr>
+          <p:style>
+            <a:lnRef idx="2">
+              <a:schemeClr val="accent1">
+                <a:shade val="50000"/>
+              </a:schemeClr>
+            </a:lnRef>
+            <a:fillRef idx="1">
+              <a:schemeClr val="accent1"/>
+            </a:fillRef>
+            <a:effectRef idx="0">
+              <a:schemeClr val="accent1"/>
+            </a:effectRef>
+            <a:fontRef idx="minor">
+              <a:schemeClr val="lt1"/>
+            </a:fontRef>
+          </p:style>
+          <p:txBody>
+            <a:bodyPr rtlCol="0" anchor="ctr"/>
+            <a:lstStyle/>
+            <a:p>
+              <a:pPr algn="ctr"/>
+              <a:endParaRPr lang="en-US"/>
+            </a:p>
+          </p:txBody>
+        </p:sp>
+        <p:sp>
+          <p:nvSpPr>
+            <p:cNvPr id="65" name="Oval 64">
+              <a:extLst>
+                <a:ext uri="{FF2B5EF4-FFF2-40B4-BE49-F238E27FC236}">
+                  <a16:creationId xmlns:a16="http://schemas.microsoft.com/office/drawing/2014/main" id="{EAE13B02-F341-6C40-A8B8-9E243ED867A6}"/>
+                </a:ext>
+              </a:extLst>
+            </p:cNvPr>
+            <p:cNvSpPr/>
+            <p:nvPr/>
+          </p:nvSpPr>
+          <p:spPr>
+            <a:xfrm>
+              <a:off x="7016787" y="640080"/>
+              <a:ext cx="91440" cy="91440"/>
+            </a:xfrm>
+            <a:prstGeom prst="ellipse">
+              <a:avLst/>
+            </a:prstGeom>
+            <a:solidFill>
+              <a:schemeClr val="accent2"/>
+            </a:solidFill>
+            <a:ln>
+              <a:noFill/>
+            </a:ln>
+          </p:spPr>
+          <p:style>
+            <a:lnRef idx="2">
+              <a:schemeClr val="accent1">
+                <a:shade val="50000"/>
+              </a:schemeClr>
+            </a:lnRef>
+            <a:fillRef idx="1">
+              <a:schemeClr val="accent1"/>
+            </a:fillRef>
+            <a:effectRef idx="0">
+              <a:schemeClr val="accent1"/>
+            </a:effectRef>
+            <a:fontRef idx="minor">
+              <a:schemeClr val="lt1"/>
+            </a:fontRef>
+          </p:style>
+          <p:txBody>
+            <a:bodyPr rtlCol="0" anchor="ctr"/>
+            <a:lstStyle/>
+            <a:p>
+              <a:pPr algn="ctr"/>
+              <a:endParaRPr lang="en-US"/>
+            </a:p>
+          </p:txBody>
+        </p:sp>
+        <p:sp>
+          <p:nvSpPr>
+            <p:cNvPr id="66" name="Oval 65">
+              <a:extLst>
+                <a:ext uri="{FF2B5EF4-FFF2-40B4-BE49-F238E27FC236}">
+                  <a16:creationId xmlns:a16="http://schemas.microsoft.com/office/drawing/2014/main" id="{920BC213-B5FE-DD41-BEC3-BEB51228FBF2}"/>
+                </a:ext>
+              </a:extLst>
+            </p:cNvPr>
+            <p:cNvSpPr/>
+            <p:nvPr/>
+          </p:nvSpPr>
+          <p:spPr>
+            <a:xfrm>
+              <a:off x="7291690" y="586529"/>
+              <a:ext cx="91440" cy="91440"/>
+            </a:xfrm>
+            <a:prstGeom prst="ellipse">
+              <a:avLst/>
+            </a:prstGeom>
+            <a:solidFill>
+              <a:schemeClr val="accent2"/>
+            </a:solidFill>
+            <a:ln>
+              <a:noFill/>
+            </a:ln>
+          </p:spPr>
+          <p:style>
+            <a:lnRef idx="2">
+              <a:schemeClr val="accent1">
+                <a:shade val="50000"/>
+              </a:schemeClr>
+            </a:lnRef>
+            <a:fillRef idx="1">
+              <a:schemeClr val="accent1"/>
+            </a:fillRef>
+            <a:effectRef idx="0">
+              <a:schemeClr val="accent1"/>
+            </a:effectRef>
+            <a:fontRef idx="minor">
+              <a:schemeClr val="lt1"/>
+            </a:fontRef>
+          </p:style>
+          <p:txBody>
+            <a:bodyPr rtlCol="0" anchor="ctr"/>
+            <a:lstStyle/>
+            <a:p>
+              <a:pPr algn="ctr"/>
+              <a:endParaRPr lang="en-US"/>
+            </a:p>
+          </p:txBody>
+        </p:sp>
+        <p:grpSp>
+          <p:nvGrpSpPr>
+            <p:cNvPr id="96" name="Group 95">
+              <a:extLst>
+                <a:ext uri="{FF2B5EF4-FFF2-40B4-BE49-F238E27FC236}">
+                  <a16:creationId xmlns:a16="http://schemas.microsoft.com/office/drawing/2014/main" id="{8AEB0BAD-09C2-B343-AA5D-240850E6C010}"/>
+                </a:ext>
+              </a:extLst>
+            </p:cNvPr>
+            <p:cNvGrpSpPr/>
+            <p:nvPr/>
+          </p:nvGrpSpPr>
+          <p:grpSpPr>
+            <a:xfrm>
+              <a:off x="6238873" y="393294"/>
+              <a:ext cx="1279156" cy="1115164"/>
+              <a:chOff x="6238873" y="393294"/>
+              <a:chExt cx="1279156" cy="1115164"/>
+            </a:xfrm>
+          </p:grpSpPr>
+          <p:sp>
+            <p:nvSpPr>
+              <p:cNvPr id="63" name="Oval 62">
+                <a:extLst>
+                  <a:ext uri="{FF2B5EF4-FFF2-40B4-BE49-F238E27FC236}">
+                    <a16:creationId xmlns:a16="http://schemas.microsoft.com/office/drawing/2014/main" id="{8E0BA04C-FF84-514A-B358-3C6BB25A09A3}"/>
+                  </a:ext>
+                </a:extLst>
+              </p:cNvPr>
+              <p:cNvSpPr/>
+              <p:nvPr/>
+            </p:nvSpPr>
+            <p:spPr>
+              <a:xfrm>
+                <a:off x="6640486" y="976630"/>
+                <a:ext cx="91440" cy="91440"/>
+              </a:xfrm>
+              <a:prstGeom prst="ellipse">
+                <a:avLst/>
+              </a:prstGeom>
+              <a:solidFill>
+                <a:schemeClr val="accent2"/>
+              </a:solidFill>
+              <a:ln>
+                <a:noFill/>
+              </a:ln>
+            </p:spPr>
+            <p:style>
+              <a:lnRef idx="2">
+                <a:schemeClr val="accent1">
+                  <a:shade val="50000"/>
+                </a:schemeClr>
+              </a:lnRef>
+              <a:fillRef idx="1">
+                <a:schemeClr val="accent1"/>
+              </a:fillRef>
+              <a:effectRef idx="0">
+                <a:schemeClr val="accent1"/>
+              </a:effectRef>
+              <a:fontRef idx="minor">
+                <a:schemeClr val="lt1"/>
+              </a:fontRef>
+            </p:style>
+            <p:txBody>
+              <a:bodyPr rtlCol="0" anchor="ctr"/>
+              <a:lstStyle/>
+              <a:p>
+                <a:pPr algn="ctr"/>
+                <a:endParaRPr lang="en-US"/>
+              </a:p>
+            </p:txBody>
+          </p:sp>
+          <p:grpSp>
+            <p:nvGrpSpPr>
+              <p:cNvPr id="95" name="Group 94">
+                <a:extLst>
+                  <a:ext uri="{FF2B5EF4-FFF2-40B4-BE49-F238E27FC236}">
+                    <a16:creationId xmlns:a16="http://schemas.microsoft.com/office/drawing/2014/main" id="{68EE8C5B-6C32-154B-805A-BAE9F8F54E96}"/>
+                  </a:ext>
+                </a:extLst>
+              </p:cNvPr>
+              <p:cNvGrpSpPr/>
+              <p:nvPr/>
+            </p:nvGrpSpPr>
+            <p:grpSpPr>
+              <a:xfrm>
+                <a:off x="6238873" y="393294"/>
+                <a:ext cx="1279156" cy="1115164"/>
+                <a:chOff x="6238873" y="393294"/>
+                <a:chExt cx="1279156" cy="1115164"/>
+              </a:xfrm>
+            </p:grpSpPr>
+            <p:cxnSp>
+              <p:nvCxnSpPr>
+                <p:cNvPr id="70" name="Straight Connector 69">
+                  <a:extLst>
+                    <a:ext uri="{FF2B5EF4-FFF2-40B4-BE49-F238E27FC236}">
+                      <a16:creationId xmlns:a16="http://schemas.microsoft.com/office/drawing/2014/main" id="{C015FEF1-A635-F042-94E9-F0EA4C0E9C62}"/>
+                    </a:ext>
+                  </a:extLst>
+                </p:cNvPr>
+                <p:cNvCxnSpPr>
+                  <a:cxnSpLocks/>
+                  <a:endCxn id="62" idx="3"/>
+                </p:cNvCxnSpPr>
+                <p:nvPr/>
+              </p:nvCxnSpPr>
+              <p:spPr>
+                <a:xfrm flipV="1">
+                  <a:off x="6521421" y="1116591"/>
+                  <a:ext cx="86736" cy="87204"/>
+                </a:xfrm>
+                <a:prstGeom prst="line">
+                  <a:avLst/>
+                </a:prstGeom>
+                <a:ln w="22225">
+                  <a:solidFill>
+                    <a:schemeClr val="accent2"/>
+                  </a:solidFill>
+                </a:ln>
+              </p:spPr>
+              <p:style>
+                <a:lnRef idx="1">
+                  <a:schemeClr val="accent1"/>
+                </a:lnRef>
+                <a:fillRef idx="0">
+                  <a:schemeClr val="accent1"/>
+                </a:fillRef>
+                <a:effectRef idx="0">
+                  <a:schemeClr val="accent1"/>
+                </a:effectRef>
+                <a:fontRef idx="minor">
+                  <a:schemeClr val="tx1"/>
+                </a:fontRef>
+              </p:style>
+            </p:cxnSp>
+            <p:grpSp>
+              <p:nvGrpSpPr>
+                <p:cNvPr id="94" name="Group 93">
+                  <a:extLst>
+                    <a:ext uri="{FF2B5EF4-FFF2-40B4-BE49-F238E27FC236}">
+                      <a16:creationId xmlns:a16="http://schemas.microsoft.com/office/drawing/2014/main" id="{E42E0AA0-9C6B-354F-9AFF-A27C33AF4377}"/>
+                    </a:ext>
+                  </a:extLst>
+                </p:cNvPr>
+                <p:cNvGrpSpPr/>
+                <p:nvPr/>
+              </p:nvGrpSpPr>
+              <p:grpSpPr>
+                <a:xfrm>
+                  <a:off x="6238873" y="393294"/>
+                  <a:ext cx="1279156" cy="1115164"/>
+                  <a:chOff x="6238873" y="393294"/>
+                  <a:chExt cx="1279156" cy="1115164"/>
+                </a:xfrm>
+              </p:grpSpPr>
+              <p:sp>
+                <p:nvSpPr>
+                  <p:cNvPr id="61" name="Oval 60">
+                    <a:extLst>
+                      <a:ext uri="{FF2B5EF4-FFF2-40B4-BE49-F238E27FC236}">
+                        <a16:creationId xmlns:a16="http://schemas.microsoft.com/office/drawing/2014/main" id="{3CA1CCFD-03C0-234F-BA78-EF8BA3EBD5C5}"/>
+                      </a:ext>
+                    </a:extLst>
+                  </p:cNvPr>
+                  <p:cNvSpPr/>
+                  <p:nvPr/>
+                </p:nvSpPr>
+                <p:spPr>
+                  <a:xfrm>
+                    <a:off x="6463612" y="1170455"/>
+                    <a:ext cx="91440" cy="91440"/>
+                  </a:xfrm>
+                  <a:prstGeom prst="ellipse">
+                    <a:avLst/>
+                  </a:prstGeom>
+                  <a:solidFill>
+                    <a:schemeClr val="accent2"/>
+                  </a:solidFill>
+                  <a:ln>
+                    <a:noFill/>
+                  </a:ln>
+                </p:spPr>
+                <p:style>
+                  <a:lnRef idx="2">
+                    <a:schemeClr val="accent1">
+                      <a:shade val="50000"/>
+                    </a:schemeClr>
+                  </a:lnRef>
+                  <a:fillRef idx="1">
+                    <a:schemeClr val="accent1"/>
+                  </a:fillRef>
+                  <a:effectRef idx="0">
+                    <a:schemeClr val="accent1"/>
+                  </a:effectRef>
+                  <a:fontRef idx="minor">
+                    <a:schemeClr val="lt1"/>
+                  </a:fontRef>
+                </p:style>
+                <p:txBody>
+                  <a:bodyPr rtlCol="0" anchor="ctr"/>
+                  <a:lstStyle/>
+                  <a:p>
+                    <a:pPr algn="ctr"/>
+                    <a:endParaRPr lang="en-US"/>
+                  </a:p>
+                </p:txBody>
+              </p:sp>
+              <p:sp>
+                <p:nvSpPr>
+                  <p:cNvPr id="62" name="Oval 61">
+                    <a:extLst>
+                      <a:ext uri="{FF2B5EF4-FFF2-40B4-BE49-F238E27FC236}">
+                        <a16:creationId xmlns:a16="http://schemas.microsoft.com/office/drawing/2014/main" id="{E2355E6C-DE2D-334E-B40F-CCE518920572}"/>
+                      </a:ext>
+                    </a:extLst>
+                  </p:cNvPr>
+                  <p:cNvSpPr/>
+                  <p:nvPr/>
+                </p:nvSpPr>
+                <p:spPr>
+                  <a:xfrm>
+                    <a:off x="6594766" y="1038542"/>
+                    <a:ext cx="91440" cy="91440"/>
+                  </a:xfrm>
+                  <a:prstGeom prst="ellipse">
+                    <a:avLst/>
+                  </a:prstGeom>
+                  <a:solidFill>
+                    <a:schemeClr val="accent2"/>
+                  </a:solidFill>
+                  <a:ln>
+                    <a:noFill/>
+                  </a:ln>
+                </p:spPr>
+                <p:style>
+                  <a:lnRef idx="2">
+                    <a:schemeClr val="accent1">
+                      <a:shade val="50000"/>
+                    </a:schemeClr>
+                  </a:lnRef>
+                  <a:fillRef idx="1">
+                    <a:schemeClr val="accent1"/>
+                  </a:fillRef>
+                  <a:effectRef idx="0">
+                    <a:schemeClr val="accent1"/>
+                  </a:effectRef>
+                  <a:fontRef idx="minor">
+                    <a:schemeClr val="lt1"/>
+                  </a:fontRef>
+                </p:style>
+                <p:txBody>
+                  <a:bodyPr rtlCol="0" anchor="ctr"/>
+                  <a:lstStyle/>
+                  <a:p>
+                    <a:pPr algn="ctr"/>
+                    <a:endParaRPr lang="en-US"/>
+                  </a:p>
+                </p:txBody>
+              </p:sp>
+              <p:sp>
+                <p:nvSpPr>
+                  <p:cNvPr id="67" name="Oval 66">
+                    <a:extLst>
+                      <a:ext uri="{FF2B5EF4-FFF2-40B4-BE49-F238E27FC236}">
+                        <a16:creationId xmlns:a16="http://schemas.microsoft.com/office/drawing/2014/main" id="{7A4DC2DF-9FB9-5F44-9DA5-E78A74F71761}"/>
+                      </a:ext>
+                    </a:extLst>
+                  </p:cNvPr>
+                  <p:cNvSpPr/>
+                  <p:nvPr/>
+                </p:nvSpPr>
+                <p:spPr>
+                  <a:xfrm>
+                    <a:off x="7426589" y="393294"/>
+                    <a:ext cx="91440" cy="91440"/>
+                  </a:xfrm>
+                  <a:prstGeom prst="ellipse">
+                    <a:avLst/>
+                  </a:prstGeom>
+                  <a:solidFill>
+                    <a:schemeClr val="accent2"/>
+                  </a:solidFill>
+                  <a:ln>
+                    <a:noFill/>
+                  </a:ln>
+                </p:spPr>
+                <p:style>
+                  <a:lnRef idx="2">
+                    <a:schemeClr val="accent1">
+                      <a:shade val="50000"/>
+                    </a:schemeClr>
+                  </a:lnRef>
+                  <a:fillRef idx="1">
+                    <a:schemeClr val="accent1"/>
+                  </a:fillRef>
+                  <a:effectRef idx="0">
+                    <a:schemeClr val="accent1"/>
+                  </a:effectRef>
+                  <a:fontRef idx="minor">
+                    <a:schemeClr val="lt1"/>
+                  </a:fontRef>
+                </p:style>
+                <p:txBody>
+                  <a:bodyPr rtlCol="0" anchor="ctr"/>
+                  <a:lstStyle/>
+                  <a:p>
+                    <a:pPr algn="ctr"/>
+                    <a:endParaRPr lang="en-US"/>
+                  </a:p>
+                </p:txBody>
+              </p:sp>
+              <p:cxnSp>
+                <p:nvCxnSpPr>
+                  <p:cNvPr id="68" name="Straight Connector 67">
+                    <a:extLst>
+                      <a:ext uri="{FF2B5EF4-FFF2-40B4-BE49-F238E27FC236}">
+                        <a16:creationId xmlns:a16="http://schemas.microsoft.com/office/drawing/2014/main" id="{842A2D75-C7B9-6B48-8533-919F391F4E54}"/>
+                      </a:ext>
+                    </a:extLst>
+                  </p:cNvPr>
+                  <p:cNvCxnSpPr>
+                    <a:cxnSpLocks/>
+                    <a:endCxn id="61" idx="3"/>
+                  </p:cNvCxnSpPr>
+                  <p:nvPr/>
+                </p:nvCxnSpPr>
+                <p:spPr>
+                  <a:xfrm flipV="1">
+                    <a:off x="6238873" y="1248504"/>
+                    <a:ext cx="238130" cy="259954"/>
+                  </a:xfrm>
+                  <a:prstGeom prst="line">
+                    <a:avLst/>
+                  </a:prstGeom>
+                  <a:ln w="22225">
+                    <a:solidFill>
+                      <a:schemeClr val="accent2"/>
+                    </a:solidFill>
+                  </a:ln>
+                </p:spPr>
+                <p:style>
+                  <a:lnRef idx="1">
+                    <a:schemeClr val="accent1"/>
+                  </a:lnRef>
+                  <a:fillRef idx="0">
+                    <a:schemeClr val="accent1"/>
+                  </a:fillRef>
+                  <a:effectRef idx="0">
+                    <a:schemeClr val="accent1"/>
+                  </a:effectRef>
+                  <a:fontRef idx="minor">
+                    <a:schemeClr val="tx1"/>
+                  </a:fontRef>
+                </p:style>
+              </p:cxnSp>
+              <p:cxnSp>
+                <p:nvCxnSpPr>
+                  <p:cNvPr id="72" name="Straight Connector 71">
+                    <a:extLst>
+                      <a:ext uri="{FF2B5EF4-FFF2-40B4-BE49-F238E27FC236}">
+                        <a16:creationId xmlns:a16="http://schemas.microsoft.com/office/drawing/2014/main" id="{DF69BF28-53AE-DC4C-AE3D-E47AFCF5812C}"/>
+                      </a:ext>
+                    </a:extLst>
+                  </p:cNvPr>
+                  <p:cNvCxnSpPr>
+                    <a:cxnSpLocks/>
+                    <a:endCxn id="64" idx="7"/>
+                  </p:cNvCxnSpPr>
+                  <p:nvPr/>
+                </p:nvCxnSpPr>
+                <p:spPr>
+                  <a:xfrm flipV="1">
+                    <a:off x="6712160" y="911744"/>
+                    <a:ext cx="169025" cy="93250"/>
+                  </a:xfrm>
+                  <a:prstGeom prst="line">
+                    <a:avLst/>
+                  </a:prstGeom>
+                  <a:ln w="22225">
+                    <a:solidFill>
+                      <a:schemeClr val="accent2"/>
+                    </a:solidFill>
+                  </a:ln>
+                </p:spPr>
+                <p:style>
+                  <a:lnRef idx="1">
+                    <a:schemeClr val="accent1"/>
+                  </a:lnRef>
+                  <a:fillRef idx="0">
+                    <a:schemeClr val="accent1"/>
+                  </a:fillRef>
+                  <a:effectRef idx="0">
+                    <a:schemeClr val="accent1"/>
+                  </a:effectRef>
+                  <a:fontRef idx="minor">
+                    <a:schemeClr val="tx1"/>
+                  </a:fontRef>
+                </p:style>
+              </p:cxnSp>
+              <p:cxnSp>
+                <p:nvCxnSpPr>
+                  <p:cNvPr id="75" name="Straight Connector 74">
+                    <a:extLst>
+                      <a:ext uri="{FF2B5EF4-FFF2-40B4-BE49-F238E27FC236}">
+                        <a16:creationId xmlns:a16="http://schemas.microsoft.com/office/drawing/2014/main" id="{8943B339-708D-C14E-927B-8C389F1D9135}"/>
+                      </a:ext>
+                    </a:extLst>
+                  </p:cNvPr>
+                  <p:cNvCxnSpPr>
+                    <a:cxnSpLocks/>
+                    <a:endCxn id="65" idx="7"/>
+                  </p:cNvCxnSpPr>
+                  <p:nvPr/>
+                </p:nvCxnSpPr>
+                <p:spPr>
+                  <a:xfrm flipV="1">
+                    <a:off x="6874810" y="653471"/>
+                    <a:ext cx="220026" cy="277400"/>
+                  </a:xfrm>
+                  <a:prstGeom prst="line">
+                    <a:avLst/>
+                  </a:prstGeom>
+                  <a:ln w="22225">
+                    <a:solidFill>
+                      <a:schemeClr val="accent2"/>
+                    </a:solidFill>
+                  </a:ln>
+                </p:spPr>
+                <p:style>
+                  <a:lnRef idx="1">
+                    <a:schemeClr val="accent1"/>
+                  </a:lnRef>
+                  <a:fillRef idx="0">
+                    <a:schemeClr val="accent1"/>
+                  </a:fillRef>
+                  <a:effectRef idx="0">
+                    <a:schemeClr val="accent1"/>
+                  </a:effectRef>
+                  <a:fontRef idx="minor">
+                    <a:schemeClr val="tx1"/>
+                  </a:fontRef>
+                </p:style>
+              </p:cxnSp>
+              <p:cxnSp>
+                <p:nvCxnSpPr>
+                  <p:cNvPr id="77" name="Straight Connector 76">
+                    <a:extLst>
+                      <a:ext uri="{FF2B5EF4-FFF2-40B4-BE49-F238E27FC236}">
+                        <a16:creationId xmlns:a16="http://schemas.microsoft.com/office/drawing/2014/main" id="{4DA08E04-20FD-0A43-BB82-E1E249D7214F}"/>
+                      </a:ext>
+                    </a:extLst>
+                  </p:cNvPr>
+                  <p:cNvCxnSpPr>
+                    <a:cxnSpLocks/>
+                    <a:endCxn id="66" idx="6"/>
+                  </p:cNvCxnSpPr>
+                  <p:nvPr/>
+                </p:nvCxnSpPr>
+                <p:spPr>
+                  <a:xfrm flipV="1">
+                    <a:off x="7089479" y="632249"/>
+                    <a:ext cx="293651" cy="26830"/>
+                  </a:xfrm>
+                  <a:prstGeom prst="line">
+                    <a:avLst/>
+                  </a:prstGeom>
+                  <a:ln w="22225">
+                    <a:solidFill>
+                      <a:schemeClr val="accent2"/>
+                    </a:solidFill>
+                  </a:ln>
+                </p:spPr>
+                <p:style>
+                  <a:lnRef idx="1">
+                    <a:schemeClr val="accent1"/>
+                  </a:lnRef>
+                  <a:fillRef idx="0">
+                    <a:schemeClr val="accent1"/>
+                  </a:fillRef>
+                  <a:effectRef idx="0">
+                    <a:schemeClr val="accent1"/>
+                  </a:effectRef>
+                  <a:fontRef idx="minor">
+                    <a:schemeClr val="tx1"/>
+                  </a:fontRef>
+                </p:style>
+              </p:cxnSp>
+              <p:cxnSp>
+                <p:nvCxnSpPr>
+                  <p:cNvPr id="79" name="Straight Connector 78">
+                    <a:extLst>
+                      <a:ext uri="{FF2B5EF4-FFF2-40B4-BE49-F238E27FC236}">
+                        <a16:creationId xmlns:a16="http://schemas.microsoft.com/office/drawing/2014/main" id="{8DCBC79A-3857-D34A-B463-47090FCC9580}"/>
+                      </a:ext>
+                    </a:extLst>
+                  </p:cNvPr>
+                  <p:cNvCxnSpPr>
+                    <a:cxnSpLocks/>
+                    <a:stCxn id="66" idx="7"/>
+                    <a:endCxn id="67" idx="3"/>
+                  </p:cNvCxnSpPr>
+                  <p:nvPr/>
+                </p:nvCxnSpPr>
+                <p:spPr>
+                  <a:xfrm flipV="1">
+                    <a:off x="7369739" y="471343"/>
+                    <a:ext cx="70241" cy="128577"/>
+                  </a:xfrm>
+                  <a:prstGeom prst="line">
+                    <a:avLst/>
+                  </a:prstGeom>
+                  <a:ln w="22225">
+                    <a:solidFill>
+                      <a:schemeClr val="accent2"/>
+                    </a:solidFill>
+                  </a:ln>
+                </p:spPr>
+                <p:style>
+                  <a:lnRef idx="1">
+                    <a:schemeClr val="accent1"/>
+                  </a:lnRef>
+                  <a:fillRef idx="0">
+                    <a:schemeClr val="accent1"/>
+                  </a:fillRef>
+                  <a:effectRef idx="0">
+                    <a:schemeClr val="accent1"/>
+                  </a:effectRef>
+                  <a:fontRef idx="minor">
+                    <a:schemeClr val="tx1"/>
+                  </a:fontRef>
+                </p:style>
+              </p:cxnSp>
+            </p:grpSp>
+          </p:grpSp>
+        </p:grpSp>
+      </p:grpSp>
+      <p:pic>
+        <p:nvPicPr>
+          <p:cNvPr id="101" name="Picture 100" descr="A picture containing table, toy, room&#10;&#10;Description automatically generated">
+            <a:extLst>
+              <a:ext uri="{FF2B5EF4-FFF2-40B4-BE49-F238E27FC236}">
+                <a16:creationId xmlns:a16="http://schemas.microsoft.com/office/drawing/2014/main" id="{E29B4895-8CF3-C840-9B11-DF51B0A659CF}"/>
+              </a:ext>
+            </a:extLst>
+          </p:cNvPr>
+          <p:cNvPicPr>
+            <a:picLocks noChangeAspect="1"/>
+          </p:cNvPicPr>
+          <p:nvPr/>
+        </p:nvPicPr>
+        <p:blipFill rotWithShape="1">
+          <a:blip r:embed="rId3"/>
+          <a:srcRect l="18428" r="17633"/>
+          <a:stretch/>
+        </p:blipFill>
+        <p:spPr>
+          <a:xfrm>
+            <a:off x="2129713" y="0"/>
+            <a:ext cx="3283713" cy="2837254"/>
+          </a:xfrm>
+          <a:prstGeom prst="rect">
+            <a:avLst/>
+          </a:prstGeom>
+        </p:spPr>
+      </p:pic>
     </p:spTree>
     <p:extLst>
       <p:ext uri="{BB962C8B-B14F-4D97-AF65-F5344CB8AC3E}">
         <p14:creationId xmlns:p14="http://schemas.microsoft.com/office/powerpoint/2010/main" val="426727203"/>
+      </p:ext>
+    </p:extLst>
+  </p:cSld>
+  <p:clrMapOvr>
+    <a:masterClrMapping/>
+  </p:clrMapOvr>
+</p:sld>
+</file>
+
+<file path=ppt/slides/slide12.xml><?xml version="1.0" encoding="utf-8"?>
+<p:sld xmlns:a="http://schemas.openxmlformats.org/drawingml/2006/main" xmlns:r="http://schemas.openxmlformats.org/officeDocument/2006/relationships" xmlns:p="http://schemas.openxmlformats.org/presentationml/2006/main">
+  <p:cSld>
+    <p:spTree>
+      <p:nvGrpSpPr>
+        <p:cNvPr id="1" name=""/>
+        <p:cNvGrpSpPr/>
+        <p:nvPr/>
+      </p:nvGrpSpPr>
+      <p:grpSpPr>
+        <a:xfrm>
+          <a:off x="0" y="0"/>
+          <a:ext cx="0" cy="0"/>
+          <a:chOff x="0" y="0"/>
+          <a:chExt cx="0" cy="0"/>
+        </a:xfrm>
+      </p:grpSpPr>
+      <p:grpSp>
+        <p:nvGrpSpPr>
+          <p:cNvPr id="99" name="Group 98">
+            <a:extLst>
+              <a:ext uri="{FF2B5EF4-FFF2-40B4-BE49-F238E27FC236}">
+                <a16:creationId xmlns:a16="http://schemas.microsoft.com/office/drawing/2014/main" id="{910F2BAE-F6F8-464C-8AA5-777E8AD6F4E7}"/>
+              </a:ext>
+            </a:extLst>
+          </p:cNvPr>
+          <p:cNvGrpSpPr/>
+          <p:nvPr/>
+        </p:nvGrpSpPr>
+        <p:grpSpPr>
+          <a:xfrm>
+            <a:off x="5449078" y="0"/>
+            <a:ext cx="3283713" cy="2837254"/>
+            <a:chOff x="4023981" y="0"/>
+            <a:chExt cx="3805214" cy="3657600"/>
+          </a:xfrm>
+        </p:grpSpPr>
+        <p:pic>
+          <p:nvPicPr>
+            <p:cNvPr id="5" name="Picture 4" descr="A picture containing table&#10;&#10;Description automatically generated">
+              <a:extLst>
+                <a:ext uri="{FF2B5EF4-FFF2-40B4-BE49-F238E27FC236}">
+                  <a16:creationId xmlns:a16="http://schemas.microsoft.com/office/drawing/2014/main" id="{5CB22AF6-2631-1A41-BCE9-D07DF8645FCA}"/>
+                </a:ext>
+              </a:extLst>
+            </p:cNvPr>
+            <p:cNvPicPr>
+              <a:picLocks noChangeAspect="1"/>
+            </p:cNvPicPr>
+            <p:nvPr/>
+          </p:nvPicPr>
+          <p:blipFill rotWithShape="1">
+            <a:blip r:embed="rId2"/>
+            <a:srcRect l="21438" r="21943"/>
+            <a:stretch/>
+          </p:blipFill>
+          <p:spPr>
+            <a:xfrm>
+              <a:off x="4023981" y="0"/>
+              <a:ext cx="3805214" cy="3657600"/>
+            </a:xfrm>
+            <a:prstGeom prst="rect">
+              <a:avLst/>
+            </a:prstGeom>
+          </p:spPr>
+        </p:pic>
+        <p:sp>
+          <p:nvSpPr>
+            <p:cNvPr id="27" name="Oval 26">
+              <a:extLst>
+                <a:ext uri="{FF2B5EF4-FFF2-40B4-BE49-F238E27FC236}">
+                  <a16:creationId xmlns:a16="http://schemas.microsoft.com/office/drawing/2014/main" id="{05F0A412-57CE-1845-AD9A-BC0EFECBF91D}"/>
+                </a:ext>
+              </a:extLst>
+            </p:cNvPr>
+            <p:cNvSpPr/>
+            <p:nvPr/>
+          </p:nvSpPr>
+          <p:spPr>
+            <a:xfrm>
+              <a:off x="4822767" y="869949"/>
+              <a:ext cx="116558" cy="129666"/>
+            </a:xfrm>
+            <a:prstGeom prst="ellipse">
+              <a:avLst/>
+            </a:prstGeom>
+            <a:solidFill>
+              <a:srgbClr val="00FDFF"/>
+            </a:solidFill>
+            <a:ln>
+              <a:noFill/>
+            </a:ln>
+          </p:spPr>
+          <p:style>
+            <a:lnRef idx="2">
+              <a:schemeClr val="accent1">
+                <a:shade val="50000"/>
+              </a:schemeClr>
+            </a:lnRef>
+            <a:fillRef idx="1">
+              <a:schemeClr val="accent1"/>
+            </a:fillRef>
+            <a:effectRef idx="0">
+              <a:schemeClr val="accent1"/>
+            </a:effectRef>
+            <a:fontRef idx="minor">
+              <a:schemeClr val="lt1"/>
+            </a:fontRef>
+          </p:style>
+          <p:txBody>
+            <a:bodyPr rtlCol="0" anchor="ctr"/>
+            <a:lstStyle/>
+            <a:p>
+              <a:pPr algn="ctr"/>
+              <a:endParaRPr lang="en-US"/>
+            </a:p>
+          </p:txBody>
+        </p:sp>
+        <p:sp>
+          <p:nvSpPr>
+            <p:cNvPr id="28" name="Oval 27">
+              <a:extLst>
+                <a:ext uri="{FF2B5EF4-FFF2-40B4-BE49-F238E27FC236}">
+                  <a16:creationId xmlns:a16="http://schemas.microsoft.com/office/drawing/2014/main" id="{F48512C8-1AB9-974D-A904-39B93379CE3D}"/>
+                </a:ext>
+              </a:extLst>
+            </p:cNvPr>
+            <p:cNvSpPr/>
+            <p:nvPr/>
+          </p:nvSpPr>
+          <p:spPr>
+            <a:xfrm>
+              <a:off x="4991792" y="1022349"/>
+              <a:ext cx="116558" cy="129666"/>
+            </a:xfrm>
+            <a:prstGeom prst="ellipse">
+              <a:avLst/>
+            </a:prstGeom>
+            <a:solidFill>
+              <a:srgbClr val="00FDFF"/>
+            </a:solidFill>
+            <a:ln>
+              <a:noFill/>
+            </a:ln>
+          </p:spPr>
+          <p:style>
+            <a:lnRef idx="2">
+              <a:schemeClr val="accent1">
+                <a:shade val="50000"/>
+              </a:schemeClr>
+            </a:lnRef>
+            <a:fillRef idx="1">
+              <a:schemeClr val="accent1"/>
+            </a:fillRef>
+            <a:effectRef idx="0">
+              <a:schemeClr val="accent1"/>
+            </a:effectRef>
+            <a:fontRef idx="minor">
+              <a:schemeClr val="lt1"/>
+            </a:fontRef>
+          </p:style>
+          <p:txBody>
+            <a:bodyPr rtlCol="0" anchor="ctr"/>
+            <a:lstStyle/>
+            <a:p>
+              <a:pPr algn="ctr"/>
+              <a:endParaRPr lang="en-US"/>
+            </a:p>
+          </p:txBody>
+        </p:sp>
+        <p:sp>
+          <p:nvSpPr>
+            <p:cNvPr id="29" name="Oval 28">
+              <a:extLst>
+                <a:ext uri="{FF2B5EF4-FFF2-40B4-BE49-F238E27FC236}">
+                  <a16:creationId xmlns:a16="http://schemas.microsoft.com/office/drawing/2014/main" id="{6ED58617-82DD-BD4B-8862-DDBA9619FAF2}"/>
+                </a:ext>
+              </a:extLst>
+            </p:cNvPr>
+            <p:cNvSpPr/>
+            <p:nvPr/>
+          </p:nvSpPr>
+          <p:spPr>
+            <a:xfrm>
+              <a:off x="5155276" y="1138450"/>
+              <a:ext cx="116558" cy="129666"/>
+            </a:xfrm>
+            <a:prstGeom prst="ellipse">
+              <a:avLst/>
+            </a:prstGeom>
+            <a:solidFill>
+              <a:srgbClr val="00FDFF"/>
+            </a:solidFill>
+            <a:ln>
+              <a:noFill/>
+            </a:ln>
+          </p:spPr>
+          <p:style>
+            <a:lnRef idx="2">
+              <a:schemeClr val="accent1">
+                <a:shade val="50000"/>
+              </a:schemeClr>
+            </a:lnRef>
+            <a:fillRef idx="1">
+              <a:schemeClr val="accent1"/>
+            </a:fillRef>
+            <a:effectRef idx="0">
+              <a:schemeClr val="accent1"/>
+            </a:effectRef>
+            <a:fontRef idx="minor">
+              <a:schemeClr val="lt1"/>
+            </a:fontRef>
+          </p:style>
+          <p:txBody>
+            <a:bodyPr rtlCol="0" anchor="ctr"/>
+            <a:lstStyle/>
+            <a:p>
+              <a:pPr algn="ctr"/>
+              <a:endParaRPr lang="en-US"/>
+            </a:p>
+          </p:txBody>
+        </p:sp>
+        <p:sp>
+          <p:nvSpPr>
+            <p:cNvPr id="30" name="Oval 29">
+              <a:extLst>
+                <a:ext uri="{FF2B5EF4-FFF2-40B4-BE49-F238E27FC236}">
+                  <a16:creationId xmlns:a16="http://schemas.microsoft.com/office/drawing/2014/main" id="{5B6EE5EC-5862-CA4A-90A5-4B9C5B002E30}"/>
+                </a:ext>
+              </a:extLst>
+            </p:cNvPr>
+            <p:cNvSpPr/>
+            <p:nvPr/>
+          </p:nvSpPr>
+          <p:spPr>
+            <a:xfrm>
+              <a:off x="5318759" y="1293897"/>
+              <a:ext cx="116558" cy="129666"/>
+            </a:xfrm>
+            <a:prstGeom prst="ellipse">
+              <a:avLst/>
+            </a:prstGeom>
+            <a:solidFill>
+              <a:srgbClr val="00FDFF"/>
+            </a:solidFill>
+            <a:ln>
+              <a:noFill/>
+            </a:ln>
+          </p:spPr>
+          <p:style>
+            <a:lnRef idx="2">
+              <a:schemeClr val="accent1">
+                <a:shade val="50000"/>
+              </a:schemeClr>
+            </a:lnRef>
+            <a:fillRef idx="1">
+              <a:schemeClr val="accent1"/>
+            </a:fillRef>
+            <a:effectRef idx="0">
+              <a:schemeClr val="accent1"/>
+            </a:effectRef>
+            <a:fontRef idx="minor">
+              <a:schemeClr val="lt1"/>
+            </a:fontRef>
+          </p:style>
+          <p:txBody>
+            <a:bodyPr rtlCol="0" anchor="ctr"/>
+            <a:lstStyle/>
+            <a:p>
+              <a:pPr algn="ctr"/>
+              <a:endParaRPr lang="en-US"/>
+            </a:p>
+          </p:txBody>
+        </p:sp>
+        <p:sp>
+          <p:nvSpPr>
+            <p:cNvPr id="31" name="Oval 30">
+              <a:extLst>
+                <a:ext uri="{FF2B5EF4-FFF2-40B4-BE49-F238E27FC236}">
+                  <a16:creationId xmlns:a16="http://schemas.microsoft.com/office/drawing/2014/main" id="{6A749EBB-5B63-484F-BEEC-588FBE725D40}"/>
+                </a:ext>
+              </a:extLst>
+            </p:cNvPr>
+            <p:cNvSpPr/>
+            <p:nvPr/>
+          </p:nvSpPr>
+          <p:spPr>
+            <a:xfrm>
+              <a:off x="5471159" y="1403626"/>
+              <a:ext cx="116558" cy="129666"/>
+            </a:xfrm>
+            <a:prstGeom prst="ellipse">
+              <a:avLst/>
+            </a:prstGeom>
+            <a:solidFill>
+              <a:srgbClr val="00FDFF"/>
+            </a:solidFill>
+            <a:ln>
+              <a:noFill/>
+            </a:ln>
+          </p:spPr>
+          <p:style>
+            <a:lnRef idx="2">
+              <a:schemeClr val="accent1">
+                <a:shade val="50000"/>
+              </a:schemeClr>
+            </a:lnRef>
+            <a:fillRef idx="1">
+              <a:schemeClr val="accent1"/>
+            </a:fillRef>
+            <a:effectRef idx="0">
+              <a:schemeClr val="accent1"/>
+            </a:effectRef>
+            <a:fontRef idx="minor">
+              <a:schemeClr val="lt1"/>
+            </a:fontRef>
+          </p:style>
+          <p:txBody>
+            <a:bodyPr rtlCol="0" anchor="ctr"/>
+            <a:lstStyle/>
+            <a:p>
+              <a:pPr algn="ctr"/>
+              <a:endParaRPr lang="en-US"/>
+            </a:p>
+          </p:txBody>
+        </p:sp>
+        <p:cxnSp>
+          <p:nvCxnSpPr>
+            <p:cNvPr id="34" name="Straight Connector 33">
+              <a:extLst>
+                <a:ext uri="{FF2B5EF4-FFF2-40B4-BE49-F238E27FC236}">
+                  <a16:creationId xmlns:a16="http://schemas.microsoft.com/office/drawing/2014/main" id="{66AF76B5-392D-614D-93FA-BDBAC677D950}"/>
+                </a:ext>
+              </a:extLst>
+            </p:cNvPr>
+            <p:cNvCxnSpPr>
+              <a:cxnSpLocks/>
+              <a:stCxn id="24" idx="1"/>
+              <a:endCxn id="27" idx="1"/>
+            </p:cNvCxnSpPr>
+            <p:nvPr/>
+          </p:nvCxnSpPr>
+          <p:spPr>
+            <a:xfrm>
+              <a:off x="4654185" y="736538"/>
+              <a:ext cx="185651" cy="152400"/>
+            </a:xfrm>
+            <a:prstGeom prst="line">
+              <a:avLst/>
+            </a:prstGeom>
+            <a:ln w="22225">
+              <a:solidFill>
+                <a:srgbClr val="00FDFF"/>
+              </a:solidFill>
+            </a:ln>
+          </p:spPr>
+          <p:style>
+            <a:lnRef idx="1">
+              <a:schemeClr val="accent1"/>
+            </a:lnRef>
+            <a:fillRef idx="0">
+              <a:schemeClr val="accent1"/>
+            </a:fillRef>
+            <a:effectRef idx="0">
+              <a:schemeClr val="accent1"/>
+            </a:effectRef>
+            <a:fontRef idx="minor">
+              <a:schemeClr val="tx1"/>
+            </a:fontRef>
+          </p:style>
+        </p:cxnSp>
+        <p:grpSp>
+          <p:nvGrpSpPr>
+            <p:cNvPr id="97" name="Group 96">
+              <a:extLst>
+                <a:ext uri="{FF2B5EF4-FFF2-40B4-BE49-F238E27FC236}">
+                  <a16:creationId xmlns:a16="http://schemas.microsoft.com/office/drawing/2014/main" id="{5780D262-40F9-4243-8F3C-D3B4B45F224A}"/>
+                </a:ext>
+              </a:extLst>
+            </p:cNvPr>
+            <p:cNvGrpSpPr/>
+            <p:nvPr/>
+          </p:nvGrpSpPr>
+          <p:grpSpPr>
+            <a:xfrm>
+              <a:off x="4637116" y="717549"/>
+              <a:ext cx="1083951" cy="907184"/>
+              <a:chOff x="4637116" y="717549"/>
+              <a:chExt cx="1083951" cy="907184"/>
+            </a:xfrm>
+          </p:grpSpPr>
+          <p:sp>
+            <p:nvSpPr>
+              <p:cNvPr id="24" name="Oval 23">
+                <a:extLst>
+                  <a:ext uri="{FF2B5EF4-FFF2-40B4-BE49-F238E27FC236}">
+                    <a16:creationId xmlns:a16="http://schemas.microsoft.com/office/drawing/2014/main" id="{77BBF0F4-F3EB-C447-B37F-497E95732F41}"/>
+                  </a:ext>
+                </a:extLst>
+              </p:cNvPr>
+              <p:cNvSpPr/>
+              <p:nvPr/>
+            </p:nvSpPr>
+            <p:spPr>
+              <a:xfrm>
+                <a:off x="4637116" y="717549"/>
+                <a:ext cx="116558" cy="129666"/>
+              </a:xfrm>
+              <a:prstGeom prst="ellipse">
+                <a:avLst/>
+              </a:prstGeom>
+              <a:solidFill>
+                <a:srgbClr val="00FDFF"/>
+              </a:solidFill>
+              <a:ln>
+                <a:noFill/>
+              </a:ln>
+            </p:spPr>
+            <p:style>
+              <a:lnRef idx="2">
+                <a:schemeClr val="accent1">
+                  <a:shade val="50000"/>
+                </a:schemeClr>
+              </a:lnRef>
+              <a:fillRef idx="1">
+                <a:schemeClr val="accent1"/>
+              </a:fillRef>
+              <a:effectRef idx="0">
+                <a:schemeClr val="accent1"/>
+              </a:effectRef>
+              <a:fontRef idx="minor">
+                <a:schemeClr val="lt1"/>
+              </a:fontRef>
+            </p:style>
+            <p:txBody>
+              <a:bodyPr rtlCol="0" anchor="ctr"/>
+              <a:lstStyle/>
+              <a:p>
+                <a:pPr algn="ctr"/>
+                <a:endParaRPr lang="en-US"/>
+              </a:p>
+            </p:txBody>
+          </p:sp>
+          <p:sp>
+            <p:nvSpPr>
+              <p:cNvPr id="32" name="Oval 31">
+                <a:extLst>
+                  <a:ext uri="{FF2B5EF4-FFF2-40B4-BE49-F238E27FC236}">
+                    <a16:creationId xmlns:a16="http://schemas.microsoft.com/office/drawing/2014/main" id="{A86D2C77-78AB-3A49-B632-C565968847AD}"/>
+                  </a:ext>
+                </a:extLst>
+              </p:cNvPr>
+              <p:cNvSpPr/>
+              <p:nvPr/>
+            </p:nvSpPr>
+            <p:spPr>
+              <a:xfrm>
+                <a:off x="5604509" y="1495067"/>
+                <a:ext cx="116558" cy="129666"/>
+              </a:xfrm>
+              <a:prstGeom prst="ellipse">
+                <a:avLst/>
+              </a:prstGeom>
+              <a:solidFill>
+                <a:srgbClr val="00FDFF"/>
+              </a:solidFill>
+              <a:ln>
+                <a:noFill/>
+              </a:ln>
+            </p:spPr>
+            <p:style>
+              <a:lnRef idx="2">
+                <a:schemeClr val="accent1">
+                  <a:shade val="50000"/>
+                </a:schemeClr>
+              </a:lnRef>
+              <a:fillRef idx="1">
+                <a:schemeClr val="accent1"/>
+              </a:fillRef>
+              <a:effectRef idx="0">
+                <a:schemeClr val="accent1"/>
+              </a:effectRef>
+              <a:fontRef idx="minor">
+                <a:schemeClr val="lt1"/>
+              </a:fontRef>
+            </p:style>
+            <p:txBody>
+              <a:bodyPr rtlCol="0" anchor="ctr"/>
+              <a:lstStyle/>
+              <a:p>
+                <a:pPr algn="ctr"/>
+                <a:endParaRPr lang="en-US" dirty="0"/>
+              </a:p>
+            </p:txBody>
+          </p:sp>
+          <p:cxnSp>
+            <p:nvCxnSpPr>
+              <p:cNvPr id="37" name="Straight Connector 36">
+                <a:extLst>
+                  <a:ext uri="{FF2B5EF4-FFF2-40B4-BE49-F238E27FC236}">
+                    <a16:creationId xmlns:a16="http://schemas.microsoft.com/office/drawing/2014/main" id="{784D272B-200F-0746-B3EB-2C845BF5FB1C}"/>
+                  </a:ext>
+                </a:extLst>
+              </p:cNvPr>
+              <p:cNvCxnSpPr>
+                <a:cxnSpLocks/>
+                <a:stCxn id="27" idx="1"/>
+                <a:endCxn id="28" idx="1"/>
+              </p:cNvCxnSpPr>
+              <p:nvPr/>
+            </p:nvCxnSpPr>
+            <p:spPr>
+              <a:xfrm>
+                <a:off x="4839837" y="888938"/>
+                <a:ext cx="169025" cy="152400"/>
+              </a:xfrm>
+              <a:prstGeom prst="line">
+                <a:avLst/>
+              </a:prstGeom>
+              <a:ln w="22225">
+                <a:solidFill>
+                  <a:srgbClr val="00FDFF"/>
+                </a:solidFill>
+              </a:ln>
+            </p:spPr>
+            <p:style>
+              <a:lnRef idx="1">
+                <a:schemeClr val="accent1"/>
+              </a:lnRef>
+              <a:fillRef idx="0">
+                <a:schemeClr val="accent1"/>
+              </a:fillRef>
+              <a:effectRef idx="0">
+                <a:schemeClr val="accent1"/>
+              </a:effectRef>
+              <a:fontRef idx="minor">
+                <a:schemeClr val="tx1"/>
+              </a:fontRef>
+            </p:style>
+          </p:cxnSp>
+          <p:cxnSp>
+            <p:nvCxnSpPr>
+              <p:cNvPr id="42" name="Straight Connector 41">
+                <a:extLst>
+                  <a:ext uri="{FF2B5EF4-FFF2-40B4-BE49-F238E27FC236}">
+                    <a16:creationId xmlns:a16="http://schemas.microsoft.com/office/drawing/2014/main" id="{11A6114F-18D0-D14F-B0C1-10989F450492}"/>
+                  </a:ext>
+                </a:extLst>
+              </p:cNvPr>
+              <p:cNvCxnSpPr>
+                <a:cxnSpLocks/>
+                <a:stCxn id="28" idx="1"/>
+                <a:endCxn id="29" idx="1"/>
+              </p:cNvCxnSpPr>
+              <p:nvPr/>
+            </p:nvCxnSpPr>
+            <p:spPr>
+              <a:xfrm>
+                <a:off x="5008861" y="1041338"/>
+                <a:ext cx="163484" cy="116101"/>
+              </a:xfrm>
+              <a:prstGeom prst="line">
+                <a:avLst/>
+              </a:prstGeom>
+              <a:ln w="22225">
+                <a:solidFill>
+                  <a:srgbClr val="00FDFF"/>
+                </a:solidFill>
+              </a:ln>
+            </p:spPr>
+            <p:style>
+              <a:lnRef idx="1">
+                <a:schemeClr val="accent1"/>
+              </a:lnRef>
+              <a:fillRef idx="0">
+                <a:schemeClr val="accent1"/>
+              </a:fillRef>
+              <a:effectRef idx="0">
+                <a:schemeClr val="accent1"/>
+              </a:effectRef>
+              <a:fontRef idx="minor">
+                <a:schemeClr val="tx1"/>
+              </a:fontRef>
+            </p:style>
+          </p:cxnSp>
+          <p:cxnSp>
+            <p:nvCxnSpPr>
+              <p:cNvPr id="45" name="Straight Connector 44">
+                <a:extLst>
+                  <a:ext uri="{FF2B5EF4-FFF2-40B4-BE49-F238E27FC236}">
+                    <a16:creationId xmlns:a16="http://schemas.microsoft.com/office/drawing/2014/main" id="{3F91E445-C359-8E46-9AF0-FB9FA4038EC7}"/>
+                  </a:ext>
+                </a:extLst>
+              </p:cNvPr>
+              <p:cNvCxnSpPr>
+                <a:cxnSpLocks/>
+                <a:stCxn id="29" idx="1"/>
+                <a:endCxn id="30" idx="1"/>
+              </p:cNvCxnSpPr>
+              <p:nvPr/>
+            </p:nvCxnSpPr>
+            <p:spPr>
+              <a:xfrm>
+                <a:off x="5172345" y="1157439"/>
+                <a:ext cx="163483" cy="155448"/>
+              </a:xfrm>
+              <a:prstGeom prst="line">
+                <a:avLst/>
+              </a:prstGeom>
+              <a:ln w="22225">
+                <a:solidFill>
+                  <a:srgbClr val="00FDFF"/>
+                </a:solidFill>
+              </a:ln>
+            </p:spPr>
+            <p:style>
+              <a:lnRef idx="1">
+                <a:schemeClr val="accent1"/>
+              </a:lnRef>
+              <a:fillRef idx="0">
+                <a:schemeClr val="accent1"/>
+              </a:fillRef>
+              <a:effectRef idx="0">
+                <a:schemeClr val="accent1"/>
+              </a:effectRef>
+              <a:fontRef idx="minor">
+                <a:schemeClr val="tx1"/>
+              </a:fontRef>
+            </p:style>
+          </p:cxnSp>
+          <p:cxnSp>
+            <p:nvCxnSpPr>
+              <p:cNvPr id="48" name="Straight Connector 47">
+                <a:extLst>
+                  <a:ext uri="{FF2B5EF4-FFF2-40B4-BE49-F238E27FC236}">
+                    <a16:creationId xmlns:a16="http://schemas.microsoft.com/office/drawing/2014/main" id="{012BC308-A10A-4442-A164-43604FA2A228}"/>
+                  </a:ext>
+                </a:extLst>
+              </p:cNvPr>
+              <p:cNvCxnSpPr>
+                <a:cxnSpLocks/>
+                <a:stCxn id="30" idx="1"/>
+                <a:endCxn id="31" idx="1"/>
+              </p:cNvCxnSpPr>
+              <p:nvPr/>
+            </p:nvCxnSpPr>
+            <p:spPr>
+              <a:xfrm>
+                <a:off x="5335829" y="1312886"/>
+                <a:ext cx="152400" cy="109729"/>
+              </a:xfrm>
+              <a:prstGeom prst="line">
+                <a:avLst/>
+              </a:prstGeom>
+              <a:ln w="22225">
+                <a:solidFill>
+                  <a:srgbClr val="00FDFF"/>
+                </a:solidFill>
+              </a:ln>
+            </p:spPr>
+            <p:style>
+              <a:lnRef idx="1">
+                <a:schemeClr val="accent1"/>
+              </a:lnRef>
+              <a:fillRef idx="0">
+                <a:schemeClr val="accent1"/>
+              </a:fillRef>
+              <a:effectRef idx="0">
+                <a:schemeClr val="accent1"/>
+              </a:effectRef>
+              <a:fontRef idx="minor">
+                <a:schemeClr val="tx1"/>
+              </a:fontRef>
+            </p:style>
+          </p:cxnSp>
+          <p:cxnSp>
+            <p:nvCxnSpPr>
+              <p:cNvPr id="51" name="Straight Connector 50">
+                <a:extLst>
+                  <a:ext uri="{FF2B5EF4-FFF2-40B4-BE49-F238E27FC236}">
+                    <a16:creationId xmlns:a16="http://schemas.microsoft.com/office/drawing/2014/main" id="{08DF0A92-0B0E-4D43-900C-C7F257C793E2}"/>
+                  </a:ext>
+                </a:extLst>
+              </p:cNvPr>
+              <p:cNvCxnSpPr>
+                <a:cxnSpLocks/>
+                <a:stCxn id="31" idx="1"/>
+                <a:endCxn id="32" idx="1"/>
+              </p:cNvCxnSpPr>
+              <p:nvPr/>
+            </p:nvCxnSpPr>
+            <p:spPr>
+              <a:xfrm>
+                <a:off x="5488229" y="1422615"/>
+                <a:ext cx="133349" cy="91441"/>
+              </a:xfrm>
+              <a:prstGeom prst="line">
+                <a:avLst/>
+              </a:prstGeom>
+              <a:ln w="22225">
+                <a:solidFill>
+                  <a:srgbClr val="00FDFF"/>
+                </a:solidFill>
+              </a:ln>
+            </p:spPr>
+            <p:style>
+              <a:lnRef idx="1">
+                <a:schemeClr val="accent1"/>
+              </a:lnRef>
+              <a:fillRef idx="0">
+                <a:schemeClr val="accent1"/>
+              </a:fillRef>
+              <a:effectRef idx="0">
+                <a:schemeClr val="accent1"/>
+              </a:effectRef>
+              <a:fontRef idx="minor">
+                <a:schemeClr val="tx1"/>
+              </a:fontRef>
+            </p:style>
+          </p:cxnSp>
+        </p:grpSp>
+        <p:sp>
+          <p:nvSpPr>
+            <p:cNvPr id="64" name="Oval 63">
+              <a:extLst>
+                <a:ext uri="{FF2B5EF4-FFF2-40B4-BE49-F238E27FC236}">
+                  <a16:creationId xmlns:a16="http://schemas.microsoft.com/office/drawing/2014/main" id="{B547AE89-E4DD-3647-A6CD-F60BB32ACFD5}"/>
+                </a:ext>
+              </a:extLst>
+            </p:cNvPr>
+            <p:cNvSpPr/>
+            <p:nvPr/>
+          </p:nvSpPr>
+          <p:spPr>
+            <a:xfrm>
+              <a:off x="6803136" y="898352"/>
+              <a:ext cx="116558" cy="129666"/>
+            </a:xfrm>
+            <a:prstGeom prst="ellipse">
+              <a:avLst/>
+            </a:prstGeom>
+            <a:solidFill>
+              <a:schemeClr val="accent2"/>
+            </a:solidFill>
+            <a:ln>
+              <a:noFill/>
+            </a:ln>
+          </p:spPr>
+          <p:style>
+            <a:lnRef idx="2">
+              <a:schemeClr val="accent1">
+                <a:shade val="50000"/>
+              </a:schemeClr>
+            </a:lnRef>
+            <a:fillRef idx="1">
+              <a:schemeClr val="accent1"/>
+            </a:fillRef>
+            <a:effectRef idx="0">
+              <a:schemeClr val="accent1"/>
+            </a:effectRef>
+            <a:fontRef idx="minor">
+              <a:schemeClr val="lt1"/>
+            </a:fontRef>
+          </p:style>
+          <p:txBody>
+            <a:bodyPr rtlCol="0" anchor="ctr"/>
+            <a:lstStyle/>
+            <a:p>
+              <a:pPr algn="ctr"/>
+              <a:endParaRPr lang="en-US"/>
+            </a:p>
+          </p:txBody>
+        </p:sp>
+        <p:sp>
+          <p:nvSpPr>
+            <p:cNvPr id="65" name="Oval 64">
+              <a:extLst>
+                <a:ext uri="{FF2B5EF4-FFF2-40B4-BE49-F238E27FC236}">
+                  <a16:creationId xmlns:a16="http://schemas.microsoft.com/office/drawing/2014/main" id="{EAE13B02-F341-6C40-A8B8-9E243ED867A6}"/>
+                </a:ext>
+              </a:extLst>
+            </p:cNvPr>
+            <p:cNvSpPr/>
+            <p:nvPr/>
+          </p:nvSpPr>
+          <p:spPr>
+            <a:xfrm>
+              <a:off x="7009780" y="632372"/>
+              <a:ext cx="116558" cy="129666"/>
+            </a:xfrm>
+            <a:prstGeom prst="ellipse">
+              <a:avLst/>
+            </a:prstGeom>
+            <a:solidFill>
+              <a:schemeClr val="accent2"/>
+            </a:solidFill>
+            <a:ln>
+              <a:noFill/>
+            </a:ln>
+          </p:spPr>
+          <p:style>
+            <a:lnRef idx="2">
+              <a:schemeClr val="accent1">
+                <a:shade val="50000"/>
+              </a:schemeClr>
+            </a:lnRef>
+            <a:fillRef idx="1">
+              <a:schemeClr val="accent1"/>
+            </a:fillRef>
+            <a:effectRef idx="0">
+              <a:schemeClr val="accent1"/>
+            </a:effectRef>
+            <a:fontRef idx="minor">
+              <a:schemeClr val="lt1"/>
+            </a:fontRef>
+          </p:style>
+          <p:txBody>
+            <a:bodyPr rtlCol="0" anchor="ctr"/>
+            <a:lstStyle/>
+            <a:p>
+              <a:pPr algn="ctr"/>
+              <a:endParaRPr lang="en-US"/>
+            </a:p>
+          </p:txBody>
+        </p:sp>
+        <p:sp>
+          <p:nvSpPr>
+            <p:cNvPr id="66" name="Oval 65">
+              <a:extLst>
+                <a:ext uri="{FF2B5EF4-FFF2-40B4-BE49-F238E27FC236}">
+                  <a16:creationId xmlns:a16="http://schemas.microsoft.com/office/drawing/2014/main" id="{920BC213-B5FE-DD41-BEC3-BEB51228FBF2}"/>
+                </a:ext>
+              </a:extLst>
+            </p:cNvPr>
+            <p:cNvSpPr/>
+            <p:nvPr/>
+          </p:nvSpPr>
+          <p:spPr>
+            <a:xfrm>
+              <a:off x="7291691" y="586528"/>
+              <a:ext cx="116558" cy="129666"/>
+            </a:xfrm>
+            <a:prstGeom prst="ellipse">
+              <a:avLst/>
+            </a:prstGeom>
+            <a:solidFill>
+              <a:schemeClr val="accent2"/>
+            </a:solidFill>
+            <a:ln>
+              <a:noFill/>
+            </a:ln>
+          </p:spPr>
+          <p:style>
+            <a:lnRef idx="2">
+              <a:schemeClr val="accent1">
+                <a:shade val="50000"/>
+              </a:schemeClr>
+            </a:lnRef>
+            <a:fillRef idx="1">
+              <a:schemeClr val="accent1"/>
+            </a:fillRef>
+            <a:effectRef idx="0">
+              <a:schemeClr val="accent1"/>
+            </a:effectRef>
+            <a:fontRef idx="minor">
+              <a:schemeClr val="lt1"/>
+            </a:fontRef>
+          </p:style>
+          <p:txBody>
+            <a:bodyPr rtlCol="0" anchor="ctr"/>
+            <a:lstStyle/>
+            <a:p>
+              <a:pPr algn="ctr"/>
+              <a:endParaRPr lang="en-US"/>
+            </a:p>
+          </p:txBody>
+        </p:sp>
+        <p:grpSp>
+          <p:nvGrpSpPr>
+            <p:cNvPr id="96" name="Group 95">
+              <a:extLst>
+                <a:ext uri="{FF2B5EF4-FFF2-40B4-BE49-F238E27FC236}">
+                  <a16:creationId xmlns:a16="http://schemas.microsoft.com/office/drawing/2014/main" id="{8AEB0BAD-09C2-B343-AA5D-240850E6C010}"/>
+                </a:ext>
+              </a:extLst>
+            </p:cNvPr>
+            <p:cNvGrpSpPr/>
+            <p:nvPr/>
+          </p:nvGrpSpPr>
+          <p:grpSpPr>
+            <a:xfrm>
+              <a:off x="6238873" y="384422"/>
+              <a:ext cx="1285934" cy="1124037"/>
+              <a:chOff x="6238873" y="384422"/>
+              <a:chExt cx="1285934" cy="1124037"/>
+            </a:xfrm>
+          </p:grpSpPr>
+          <p:sp>
+            <p:nvSpPr>
+              <p:cNvPr id="63" name="Oval 62">
+                <a:extLst>
+                  <a:ext uri="{FF2B5EF4-FFF2-40B4-BE49-F238E27FC236}">
+                    <a16:creationId xmlns:a16="http://schemas.microsoft.com/office/drawing/2014/main" id="{8E0BA04C-FF84-514A-B358-3C6BB25A09A3}"/>
+                  </a:ext>
+                </a:extLst>
+              </p:cNvPr>
+              <p:cNvSpPr/>
+              <p:nvPr/>
+            </p:nvSpPr>
+            <p:spPr>
+              <a:xfrm>
+                <a:off x="6640486" y="976628"/>
+                <a:ext cx="116558" cy="129666"/>
+              </a:xfrm>
+              <a:prstGeom prst="ellipse">
+                <a:avLst/>
+              </a:prstGeom>
+              <a:solidFill>
+                <a:schemeClr val="accent2"/>
+              </a:solidFill>
+              <a:ln>
+                <a:noFill/>
+              </a:ln>
+            </p:spPr>
+            <p:style>
+              <a:lnRef idx="2">
+                <a:schemeClr val="accent1">
+                  <a:shade val="50000"/>
+                </a:schemeClr>
+              </a:lnRef>
+              <a:fillRef idx="1">
+                <a:schemeClr val="accent1"/>
+              </a:fillRef>
+              <a:effectRef idx="0">
+                <a:schemeClr val="accent1"/>
+              </a:effectRef>
+              <a:fontRef idx="minor">
+                <a:schemeClr val="lt1"/>
+              </a:fontRef>
+            </p:style>
+            <p:txBody>
+              <a:bodyPr rtlCol="0" anchor="ctr"/>
+              <a:lstStyle/>
+              <a:p>
+                <a:pPr algn="ctr"/>
+                <a:endParaRPr lang="en-US"/>
+              </a:p>
+            </p:txBody>
+          </p:sp>
+          <p:grpSp>
+            <p:nvGrpSpPr>
+              <p:cNvPr id="95" name="Group 94">
+                <a:extLst>
+                  <a:ext uri="{FF2B5EF4-FFF2-40B4-BE49-F238E27FC236}">
+                    <a16:creationId xmlns:a16="http://schemas.microsoft.com/office/drawing/2014/main" id="{68EE8C5B-6C32-154B-805A-BAE9F8F54E96}"/>
+                  </a:ext>
+                </a:extLst>
+              </p:cNvPr>
+              <p:cNvGrpSpPr/>
+              <p:nvPr/>
+            </p:nvGrpSpPr>
+            <p:grpSpPr>
+              <a:xfrm>
+                <a:off x="6238873" y="384422"/>
+                <a:ext cx="1285934" cy="1124037"/>
+                <a:chOff x="6238873" y="384422"/>
+                <a:chExt cx="1285934" cy="1124037"/>
+              </a:xfrm>
+            </p:grpSpPr>
+            <p:cxnSp>
+              <p:nvCxnSpPr>
+                <p:cNvPr id="70" name="Straight Connector 69">
+                  <a:extLst>
+                    <a:ext uri="{FF2B5EF4-FFF2-40B4-BE49-F238E27FC236}">
+                      <a16:creationId xmlns:a16="http://schemas.microsoft.com/office/drawing/2014/main" id="{C015FEF1-A635-F042-94E9-F0EA4C0E9C62}"/>
+                    </a:ext>
+                  </a:extLst>
+                </p:cNvPr>
+                <p:cNvCxnSpPr>
+                  <a:cxnSpLocks/>
+                  <a:stCxn id="61" idx="3"/>
+                  <a:endCxn id="62" idx="7"/>
+                </p:cNvCxnSpPr>
+                <p:nvPr/>
+              </p:nvCxnSpPr>
+              <p:spPr>
+                <a:xfrm flipV="1">
+                  <a:off x="6480682" y="1057529"/>
+                  <a:ext cx="213573" cy="223603"/>
+                </a:xfrm>
+                <a:prstGeom prst="line">
+                  <a:avLst/>
+                </a:prstGeom>
+                <a:ln w="22225">
+                  <a:solidFill>
+                    <a:schemeClr val="accent2"/>
+                  </a:solidFill>
+                </a:ln>
+              </p:spPr>
+              <p:style>
+                <a:lnRef idx="1">
+                  <a:schemeClr val="accent1"/>
+                </a:lnRef>
+                <a:fillRef idx="0">
+                  <a:schemeClr val="accent1"/>
+                </a:fillRef>
+                <a:effectRef idx="0">
+                  <a:schemeClr val="accent1"/>
+                </a:effectRef>
+                <a:fontRef idx="minor">
+                  <a:schemeClr val="tx1"/>
+                </a:fontRef>
+              </p:style>
+            </p:cxnSp>
+            <p:grpSp>
+              <p:nvGrpSpPr>
+                <p:cNvPr id="94" name="Group 93">
+                  <a:extLst>
+                    <a:ext uri="{FF2B5EF4-FFF2-40B4-BE49-F238E27FC236}">
+                      <a16:creationId xmlns:a16="http://schemas.microsoft.com/office/drawing/2014/main" id="{E42E0AA0-9C6B-354F-9AFF-A27C33AF4377}"/>
+                    </a:ext>
+                  </a:extLst>
+                </p:cNvPr>
+                <p:cNvGrpSpPr/>
+                <p:nvPr/>
+              </p:nvGrpSpPr>
+              <p:grpSpPr>
+                <a:xfrm>
+                  <a:off x="6238873" y="384422"/>
+                  <a:ext cx="1285934" cy="1124037"/>
+                  <a:chOff x="6238873" y="384422"/>
+                  <a:chExt cx="1285934" cy="1124037"/>
+                </a:xfrm>
+              </p:grpSpPr>
+              <p:sp>
+                <p:nvSpPr>
+                  <p:cNvPr id="61" name="Oval 60">
+                    <a:extLst>
+                      <a:ext uri="{FF2B5EF4-FFF2-40B4-BE49-F238E27FC236}">
+                        <a16:creationId xmlns:a16="http://schemas.microsoft.com/office/drawing/2014/main" id="{3CA1CCFD-03C0-234F-BA78-EF8BA3EBD5C5}"/>
+                      </a:ext>
+                    </a:extLst>
+                  </p:cNvPr>
+                  <p:cNvSpPr/>
+                  <p:nvPr/>
+                </p:nvSpPr>
+                <p:spPr>
+                  <a:xfrm>
+                    <a:off x="6463612" y="1170454"/>
+                    <a:ext cx="116558" cy="129666"/>
+                  </a:xfrm>
+                  <a:prstGeom prst="ellipse">
+                    <a:avLst/>
+                  </a:prstGeom>
+                  <a:solidFill>
+                    <a:schemeClr val="accent2"/>
+                  </a:solidFill>
+                  <a:ln>
+                    <a:noFill/>
+                  </a:ln>
+                </p:spPr>
+                <p:style>
+                  <a:lnRef idx="2">
+                    <a:schemeClr val="accent1">
+                      <a:shade val="50000"/>
+                    </a:schemeClr>
+                  </a:lnRef>
+                  <a:fillRef idx="1">
+                    <a:schemeClr val="accent1"/>
+                  </a:fillRef>
+                  <a:effectRef idx="0">
+                    <a:schemeClr val="accent1"/>
+                  </a:effectRef>
+                  <a:fontRef idx="minor">
+                    <a:schemeClr val="lt1"/>
+                  </a:fontRef>
+                </p:style>
+                <p:txBody>
+                  <a:bodyPr rtlCol="0" anchor="ctr"/>
+                  <a:lstStyle/>
+                  <a:p>
+                    <a:pPr algn="ctr"/>
+                    <a:endParaRPr lang="en-US"/>
+                  </a:p>
+                </p:txBody>
+              </p:sp>
+              <p:sp>
+                <p:nvSpPr>
+                  <p:cNvPr id="62" name="Oval 61">
+                    <a:extLst>
+                      <a:ext uri="{FF2B5EF4-FFF2-40B4-BE49-F238E27FC236}">
+                        <a16:creationId xmlns:a16="http://schemas.microsoft.com/office/drawing/2014/main" id="{E2355E6C-DE2D-334E-B40F-CCE518920572}"/>
+                      </a:ext>
+                    </a:extLst>
+                  </p:cNvPr>
+                  <p:cNvSpPr/>
+                  <p:nvPr/>
+                </p:nvSpPr>
+                <p:spPr>
+                  <a:xfrm>
+                    <a:off x="6594766" y="1038540"/>
+                    <a:ext cx="116558" cy="129666"/>
+                  </a:xfrm>
+                  <a:prstGeom prst="ellipse">
+                    <a:avLst/>
+                  </a:prstGeom>
+                  <a:solidFill>
+                    <a:schemeClr val="accent2"/>
+                  </a:solidFill>
+                  <a:ln>
+                    <a:noFill/>
+                  </a:ln>
+                </p:spPr>
+                <p:style>
+                  <a:lnRef idx="2">
+                    <a:schemeClr val="accent1">
+                      <a:shade val="50000"/>
+                    </a:schemeClr>
+                  </a:lnRef>
+                  <a:fillRef idx="1">
+                    <a:schemeClr val="accent1"/>
+                  </a:fillRef>
+                  <a:effectRef idx="0">
+                    <a:schemeClr val="accent1"/>
+                  </a:effectRef>
+                  <a:fontRef idx="minor">
+                    <a:schemeClr val="lt1"/>
+                  </a:fontRef>
+                </p:style>
+                <p:txBody>
+                  <a:bodyPr rtlCol="0" anchor="ctr"/>
+                  <a:lstStyle/>
+                  <a:p>
+                    <a:pPr algn="ctr"/>
+                    <a:endParaRPr lang="en-US"/>
+                  </a:p>
+                </p:txBody>
+              </p:sp>
+              <p:sp>
+                <p:nvSpPr>
+                  <p:cNvPr id="67" name="Oval 66">
+                    <a:extLst>
+                      <a:ext uri="{FF2B5EF4-FFF2-40B4-BE49-F238E27FC236}">
+                        <a16:creationId xmlns:a16="http://schemas.microsoft.com/office/drawing/2014/main" id="{7A4DC2DF-9FB9-5F44-9DA5-E78A74F71761}"/>
+                      </a:ext>
+                    </a:extLst>
+                  </p:cNvPr>
+                  <p:cNvSpPr/>
+                  <p:nvPr/>
+                </p:nvSpPr>
+                <p:spPr>
+                  <a:xfrm>
+                    <a:off x="7408249" y="384422"/>
+                    <a:ext cx="116558" cy="129666"/>
+                  </a:xfrm>
+                  <a:prstGeom prst="ellipse">
+                    <a:avLst/>
+                  </a:prstGeom>
+                  <a:solidFill>
+                    <a:schemeClr val="accent2"/>
+                  </a:solidFill>
+                  <a:ln>
+                    <a:noFill/>
+                  </a:ln>
+                </p:spPr>
+                <p:style>
+                  <a:lnRef idx="2">
+                    <a:schemeClr val="accent1">
+                      <a:shade val="50000"/>
+                    </a:schemeClr>
+                  </a:lnRef>
+                  <a:fillRef idx="1">
+                    <a:schemeClr val="accent1"/>
+                  </a:fillRef>
+                  <a:effectRef idx="0">
+                    <a:schemeClr val="accent1"/>
+                  </a:effectRef>
+                  <a:fontRef idx="minor">
+                    <a:schemeClr val="lt1"/>
+                  </a:fontRef>
+                </p:style>
+                <p:txBody>
+                  <a:bodyPr rtlCol="0" anchor="ctr"/>
+                  <a:lstStyle/>
+                  <a:p>
+                    <a:pPr algn="ctr"/>
+                    <a:endParaRPr lang="en-US"/>
+                  </a:p>
+                </p:txBody>
+              </p:sp>
+              <p:cxnSp>
+                <p:nvCxnSpPr>
+                  <p:cNvPr id="68" name="Straight Connector 67">
+                    <a:extLst>
+                      <a:ext uri="{FF2B5EF4-FFF2-40B4-BE49-F238E27FC236}">
+                        <a16:creationId xmlns:a16="http://schemas.microsoft.com/office/drawing/2014/main" id="{842A2D75-C7B9-6B48-8533-919F391F4E54}"/>
+                      </a:ext>
+                    </a:extLst>
+                  </p:cNvPr>
+                  <p:cNvCxnSpPr>
+                    <a:cxnSpLocks/>
+                    <a:endCxn id="61" idx="3"/>
+                  </p:cNvCxnSpPr>
+                  <p:nvPr/>
+                </p:nvCxnSpPr>
+                <p:spPr>
+                  <a:xfrm flipV="1">
+                    <a:off x="6238873" y="1281131"/>
+                    <a:ext cx="241809" cy="227328"/>
+                  </a:xfrm>
+                  <a:prstGeom prst="line">
+                    <a:avLst/>
+                  </a:prstGeom>
+                  <a:ln w="22225">
+                    <a:solidFill>
+                      <a:schemeClr val="accent2"/>
+                    </a:solidFill>
+                  </a:ln>
+                </p:spPr>
+                <p:style>
+                  <a:lnRef idx="1">
+                    <a:schemeClr val="accent1"/>
+                  </a:lnRef>
+                  <a:fillRef idx="0">
+                    <a:schemeClr val="accent1"/>
+                  </a:fillRef>
+                  <a:effectRef idx="0">
+                    <a:schemeClr val="accent1"/>
+                  </a:effectRef>
+                  <a:fontRef idx="minor">
+                    <a:schemeClr val="tx1"/>
+                  </a:fontRef>
+                </p:style>
+              </p:cxnSp>
+              <p:cxnSp>
+                <p:nvCxnSpPr>
+                  <p:cNvPr id="72" name="Straight Connector 71">
+                    <a:extLst>
+                      <a:ext uri="{FF2B5EF4-FFF2-40B4-BE49-F238E27FC236}">
+                        <a16:creationId xmlns:a16="http://schemas.microsoft.com/office/drawing/2014/main" id="{DF69BF28-53AE-DC4C-AE3D-E47AFCF5812C}"/>
+                      </a:ext>
+                    </a:extLst>
+                  </p:cNvPr>
+                  <p:cNvCxnSpPr>
+                    <a:cxnSpLocks/>
+                    <a:endCxn id="64" idx="7"/>
+                  </p:cNvCxnSpPr>
+                  <p:nvPr/>
+                </p:nvCxnSpPr>
+                <p:spPr>
+                  <a:xfrm flipV="1">
+                    <a:off x="6712161" y="917341"/>
+                    <a:ext cx="190464" cy="87653"/>
+                  </a:xfrm>
+                  <a:prstGeom prst="line">
+                    <a:avLst/>
+                  </a:prstGeom>
+                  <a:ln w="22225">
+                    <a:solidFill>
+                      <a:schemeClr val="accent2"/>
+                    </a:solidFill>
+                  </a:ln>
+                </p:spPr>
+                <p:style>
+                  <a:lnRef idx="1">
+                    <a:schemeClr val="accent1"/>
+                  </a:lnRef>
+                  <a:fillRef idx="0">
+                    <a:schemeClr val="accent1"/>
+                  </a:fillRef>
+                  <a:effectRef idx="0">
+                    <a:schemeClr val="accent1"/>
+                  </a:effectRef>
+                  <a:fontRef idx="minor">
+                    <a:schemeClr val="tx1"/>
+                  </a:fontRef>
+                </p:style>
+              </p:cxnSp>
+              <p:cxnSp>
+                <p:nvCxnSpPr>
+                  <p:cNvPr id="75" name="Straight Connector 74">
+                    <a:extLst>
+                      <a:ext uri="{FF2B5EF4-FFF2-40B4-BE49-F238E27FC236}">
+                        <a16:creationId xmlns:a16="http://schemas.microsoft.com/office/drawing/2014/main" id="{8943B339-708D-C14E-927B-8C389F1D9135}"/>
+                      </a:ext>
+                    </a:extLst>
+                  </p:cNvPr>
+                  <p:cNvCxnSpPr>
+                    <a:cxnSpLocks/>
+                    <a:endCxn id="65" idx="7"/>
+                  </p:cNvCxnSpPr>
+                  <p:nvPr/>
+                </p:nvCxnSpPr>
+                <p:spPr>
+                  <a:xfrm flipV="1">
+                    <a:off x="6867802" y="651360"/>
+                    <a:ext cx="241467" cy="271806"/>
+                  </a:xfrm>
+                  <a:prstGeom prst="line">
+                    <a:avLst/>
+                  </a:prstGeom>
+                  <a:ln w="22225">
+                    <a:solidFill>
+                      <a:schemeClr val="accent2"/>
+                    </a:solidFill>
+                  </a:ln>
+                </p:spPr>
+                <p:style>
+                  <a:lnRef idx="1">
+                    <a:schemeClr val="accent1"/>
+                  </a:lnRef>
+                  <a:fillRef idx="0">
+                    <a:schemeClr val="accent1"/>
+                  </a:fillRef>
+                  <a:effectRef idx="0">
+                    <a:schemeClr val="accent1"/>
+                  </a:effectRef>
+                  <a:fontRef idx="minor">
+                    <a:schemeClr val="tx1"/>
+                  </a:fontRef>
+                </p:style>
+              </p:cxnSp>
+              <p:cxnSp>
+                <p:nvCxnSpPr>
+                  <p:cNvPr id="77" name="Straight Connector 76">
+                    <a:extLst>
+                      <a:ext uri="{FF2B5EF4-FFF2-40B4-BE49-F238E27FC236}">
+                        <a16:creationId xmlns:a16="http://schemas.microsoft.com/office/drawing/2014/main" id="{4DA08E04-20FD-0A43-BB82-E1E249D7214F}"/>
+                      </a:ext>
+                    </a:extLst>
+                  </p:cNvPr>
+                  <p:cNvCxnSpPr>
+                    <a:cxnSpLocks/>
+                    <a:stCxn id="65" idx="2"/>
+                    <a:endCxn id="66" idx="6"/>
+                  </p:cNvCxnSpPr>
+                  <p:nvPr/>
+                </p:nvCxnSpPr>
+                <p:spPr>
+                  <a:xfrm flipV="1">
+                    <a:off x="7009780" y="651360"/>
+                    <a:ext cx="398469" cy="45844"/>
+                  </a:xfrm>
+                  <a:prstGeom prst="line">
+                    <a:avLst/>
+                  </a:prstGeom>
+                  <a:ln w="22225">
+                    <a:solidFill>
+                      <a:schemeClr val="accent2"/>
+                    </a:solidFill>
+                  </a:ln>
+                </p:spPr>
+                <p:style>
+                  <a:lnRef idx="1">
+                    <a:schemeClr val="accent1"/>
+                  </a:lnRef>
+                  <a:fillRef idx="0">
+                    <a:schemeClr val="accent1"/>
+                  </a:fillRef>
+                  <a:effectRef idx="0">
+                    <a:schemeClr val="accent1"/>
+                  </a:effectRef>
+                  <a:fontRef idx="minor">
+                    <a:schemeClr val="tx1"/>
+                  </a:fontRef>
+                </p:style>
+              </p:cxnSp>
+              <p:cxnSp>
+                <p:nvCxnSpPr>
+                  <p:cNvPr id="79" name="Straight Connector 78">
+                    <a:extLst>
+                      <a:ext uri="{FF2B5EF4-FFF2-40B4-BE49-F238E27FC236}">
+                        <a16:creationId xmlns:a16="http://schemas.microsoft.com/office/drawing/2014/main" id="{8DCBC79A-3857-D34A-B463-47090FCC9580}"/>
+                      </a:ext>
+                    </a:extLst>
+                  </p:cNvPr>
+                  <p:cNvCxnSpPr>
+                    <a:cxnSpLocks/>
+                    <a:stCxn id="66" idx="3"/>
+                    <a:endCxn id="67" idx="7"/>
+                  </p:cNvCxnSpPr>
+                  <p:nvPr/>
+                </p:nvCxnSpPr>
+                <p:spPr>
+                  <a:xfrm flipV="1">
+                    <a:off x="7308760" y="403411"/>
+                    <a:ext cx="198978" cy="293794"/>
+                  </a:xfrm>
+                  <a:prstGeom prst="line">
+                    <a:avLst/>
+                  </a:prstGeom>
+                  <a:ln w="22225">
+                    <a:solidFill>
+                      <a:schemeClr val="accent2"/>
+                    </a:solidFill>
+                  </a:ln>
+                </p:spPr>
+                <p:style>
+                  <a:lnRef idx="1">
+                    <a:schemeClr val="accent1"/>
+                  </a:lnRef>
+                  <a:fillRef idx="0">
+                    <a:schemeClr val="accent1"/>
+                  </a:fillRef>
+                  <a:effectRef idx="0">
+                    <a:schemeClr val="accent1"/>
+                  </a:effectRef>
+                  <a:fontRef idx="minor">
+                    <a:schemeClr val="tx1"/>
+                  </a:fontRef>
+                </p:style>
+              </p:cxnSp>
+            </p:grpSp>
+          </p:grpSp>
+        </p:grpSp>
+      </p:grpSp>
+      <p:pic>
+        <p:nvPicPr>
+          <p:cNvPr id="101" name="Picture 100" descr="A picture containing table, toy, room&#10;&#10;Description automatically generated">
+            <a:extLst>
+              <a:ext uri="{FF2B5EF4-FFF2-40B4-BE49-F238E27FC236}">
+                <a16:creationId xmlns:a16="http://schemas.microsoft.com/office/drawing/2014/main" id="{E29B4895-8CF3-C840-9B11-DF51B0A659CF}"/>
+              </a:ext>
+            </a:extLst>
+          </p:cNvPr>
+          <p:cNvPicPr>
+            <a:picLocks noChangeAspect="1"/>
+          </p:cNvPicPr>
+          <p:nvPr/>
+        </p:nvPicPr>
+        <p:blipFill rotWithShape="1">
+          <a:blip r:embed="rId3"/>
+          <a:srcRect l="18428" r="17633"/>
+          <a:stretch/>
+        </p:blipFill>
+        <p:spPr>
+          <a:xfrm>
+            <a:off x="2129713" y="0"/>
+            <a:ext cx="3283713" cy="2837254"/>
+          </a:xfrm>
+          <a:prstGeom prst="rect">
+            <a:avLst/>
+          </a:prstGeom>
+        </p:spPr>
+      </p:pic>
+    </p:spTree>
+    <p:extLst>
+      <p:ext uri="{BB962C8B-B14F-4D97-AF65-F5344CB8AC3E}">
+        <p14:creationId xmlns:p14="http://schemas.microsoft.com/office/powerpoint/2010/main" val="2764354723"/>
       </p:ext>
     </p:extLst>
   </p:cSld>
@@ -6885,8 +9770,8 @@
           </a:prstGeom>
         </p:spPr>
       </p:pic>
-      <mc:AlternateContent xmlns:mc="http://schemas.openxmlformats.org/markup-compatibility/2006">
-        <mc:Choice xmlns:a14="http://schemas.microsoft.com/office/drawing/2010/main" Requires="a14">
+      <mc:AlternateContent xmlns:mc="http://schemas.openxmlformats.org/markup-compatibility/2006" xmlns:a14="http://schemas.microsoft.com/office/drawing/2010/main">
+        <mc:Choice Requires="a14">
           <p:sp>
             <p:nvSpPr>
               <p:cNvPr id="6" name="TextBox 5">
@@ -6961,7 +9846,7 @@
             </p:txBody>
           </p:sp>
         </mc:Choice>
-        <mc:Fallback>
+        <mc:Fallback xmlns="">
           <p:sp>
             <p:nvSpPr>
               <p:cNvPr id="6" name="TextBox 5">
@@ -7006,8 +9891,8 @@
           </p:sp>
         </mc:Fallback>
       </mc:AlternateContent>
-      <mc:AlternateContent xmlns:mc="http://schemas.openxmlformats.org/markup-compatibility/2006">
-        <mc:Choice xmlns:a14="http://schemas.microsoft.com/office/drawing/2010/main" Requires="a14">
+      <mc:AlternateContent xmlns:mc="http://schemas.openxmlformats.org/markup-compatibility/2006" xmlns:a14="http://schemas.microsoft.com/office/drawing/2010/main">
+        <mc:Choice Requires="a14">
           <p:sp>
             <p:nvSpPr>
               <p:cNvPr id="7" name="TextBox 6">
@@ -7082,7 +9967,7 @@
             </p:txBody>
           </p:sp>
         </mc:Choice>
-        <mc:Fallback>
+        <mc:Fallback xmlns="">
           <p:sp>
             <p:nvSpPr>
               <p:cNvPr id="7" name="TextBox 6">
@@ -7127,8 +10012,8 @@
           </p:sp>
         </mc:Fallback>
       </mc:AlternateContent>
-      <mc:AlternateContent xmlns:mc="http://schemas.openxmlformats.org/markup-compatibility/2006">
-        <mc:Choice xmlns:a14="http://schemas.microsoft.com/office/drawing/2010/main" Requires="a14">
+      <mc:AlternateContent xmlns:mc="http://schemas.openxmlformats.org/markup-compatibility/2006" xmlns:a14="http://schemas.microsoft.com/office/drawing/2010/main">
+        <mc:Choice Requires="a14">
           <p:sp>
             <p:nvSpPr>
               <p:cNvPr id="8" name="TextBox 7">
@@ -7209,7 +10094,7 @@
             </p:txBody>
           </p:sp>
         </mc:Choice>
-        <mc:Fallback>
+        <mc:Fallback xmlns="">
           <p:sp>
             <p:nvSpPr>
               <p:cNvPr id="8" name="TextBox 7">
@@ -7254,8 +10139,8 @@
           </p:sp>
         </mc:Fallback>
       </mc:AlternateContent>
-      <mc:AlternateContent xmlns:mc="http://schemas.openxmlformats.org/markup-compatibility/2006">
-        <mc:Choice xmlns:a14="http://schemas.microsoft.com/office/drawing/2010/main" Requires="a14">
+      <mc:AlternateContent xmlns:mc="http://schemas.openxmlformats.org/markup-compatibility/2006" xmlns:a14="http://schemas.microsoft.com/office/drawing/2010/main">
+        <mc:Choice Requires="a14">
           <p:sp>
             <p:nvSpPr>
               <p:cNvPr id="9" name="TextBox 8">
@@ -7347,7 +10232,7 @@
             </p:txBody>
           </p:sp>
         </mc:Choice>
-        <mc:Fallback>
+        <mc:Fallback xmlns="">
           <p:sp>
             <p:nvSpPr>
               <p:cNvPr id="9" name="TextBox 8">
@@ -7392,8 +10277,8 @@
           </p:sp>
         </mc:Fallback>
       </mc:AlternateContent>
-      <mc:AlternateContent xmlns:mc="http://schemas.openxmlformats.org/markup-compatibility/2006">
-        <mc:Choice xmlns:a14="http://schemas.microsoft.com/office/drawing/2010/main" Requires="a14">
+      <mc:AlternateContent xmlns:mc="http://schemas.openxmlformats.org/markup-compatibility/2006" xmlns:a14="http://schemas.microsoft.com/office/drawing/2010/main">
+        <mc:Choice Requires="a14">
           <p:sp>
             <p:nvSpPr>
               <p:cNvPr id="13" name="TextBox 12">
@@ -7465,7 +10350,7 @@
             </p:txBody>
           </p:sp>
         </mc:Choice>
-        <mc:Fallback>
+        <mc:Fallback xmlns="">
           <p:sp>
             <p:nvSpPr>
               <p:cNvPr id="13" name="TextBox 12">
@@ -7510,8 +10395,8 @@
           </p:sp>
         </mc:Fallback>
       </mc:AlternateContent>
-      <mc:AlternateContent xmlns:mc="http://schemas.openxmlformats.org/markup-compatibility/2006">
-        <mc:Choice xmlns:a14="http://schemas.microsoft.com/office/drawing/2010/main" Requires="a14">
+      <mc:AlternateContent xmlns:mc="http://schemas.openxmlformats.org/markup-compatibility/2006" xmlns:a14="http://schemas.microsoft.com/office/drawing/2010/main">
+        <mc:Choice Requires="a14">
           <p:sp>
             <p:nvSpPr>
               <p:cNvPr id="14" name="TextBox 13">
@@ -7583,7 +10468,7 @@
             </p:txBody>
           </p:sp>
         </mc:Choice>
-        <mc:Fallback>
+        <mc:Fallback xmlns="">
           <p:sp>
             <p:nvSpPr>
               <p:cNvPr id="14" name="TextBox 13">
@@ -7628,8 +10513,8 @@
           </p:sp>
         </mc:Fallback>
       </mc:AlternateContent>
-      <mc:AlternateContent xmlns:mc="http://schemas.openxmlformats.org/markup-compatibility/2006">
-        <mc:Choice xmlns:a14="http://schemas.microsoft.com/office/drawing/2010/main" Requires="a14">
+      <mc:AlternateContent xmlns:mc="http://schemas.openxmlformats.org/markup-compatibility/2006" xmlns:a14="http://schemas.microsoft.com/office/drawing/2010/main">
+        <mc:Choice Requires="a14">
           <p:sp>
             <p:nvSpPr>
               <p:cNvPr id="15" name="TextBox 14">
@@ -7704,7 +10589,7 @@
             </p:txBody>
           </p:sp>
         </mc:Choice>
-        <mc:Fallback>
+        <mc:Fallback xmlns="">
           <p:sp>
             <p:nvSpPr>
               <p:cNvPr id="15" name="TextBox 14">
@@ -7749,8 +10634,8 @@
           </p:sp>
         </mc:Fallback>
       </mc:AlternateContent>
-      <mc:AlternateContent xmlns:mc="http://schemas.openxmlformats.org/markup-compatibility/2006">
-        <mc:Choice xmlns:a14="http://schemas.microsoft.com/office/drawing/2010/main" Requires="a14">
+      <mc:AlternateContent xmlns:mc="http://schemas.openxmlformats.org/markup-compatibility/2006" xmlns:a14="http://schemas.microsoft.com/office/drawing/2010/main">
+        <mc:Choice Requires="a14">
           <p:sp>
             <p:nvSpPr>
               <p:cNvPr id="16" name="TextBox 15">
@@ -7825,7 +10710,7 @@
             </p:txBody>
           </p:sp>
         </mc:Choice>
-        <mc:Fallback>
+        <mc:Fallback xmlns="">
           <p:sp>
             <p:nvSpPr>
               <p:cNvPr id="16" name="TextBox 15">
@@ -7870,8 +10755,8 @@
           </p:sp>
         </mc:Fallback>
       </mc:AlternateContent>
-      <mc:AlternateContent xmlns:mc="http://schemas.openxmlformats.org/markup-compatibility/2006">
-        <mc:Choice xmlns:a14="http://schemas.microsoft.com/office/drawing/2010/main" Requires="a14">
+      <mc:AlternateContent xmlns:mc="http://schemas.openxmlformats.org/markup-compatibility/2006" xmlns:a14="http://schemas.microsoft.com/office/drawing/2010/main">
+        <mc:Choice Requires="a14">
           <p:sp>
             <p:nvSpPr>
               <p:cNvPr id="17" name="TextBox 16">
@@ -7955,7 +10840,7 @@
             </p:txBody>
           </p:sp>
         </mc:Choice>
-        <mc:Fallback>
+        <mc:Fallback xmlns="">
           <p:sp>
             <p:nvSpPr>
               <p:cNvPr id="17" name="TextBox 16">
@@ -8000,8 +10885,8 @@
           </p:sp>
         </mc:Fallback>
       </mc:AlternateContent>
-      <mc:AlternateContent xmlns:mc="http://schemas.openxmlformats.org/markup-compatibility/2006">
-        <mc:Choice xmlns:a14="http://schemas.microsoft.com/office/drawing/2010/main" Requires="a14">
+      <mc:AlternateContent xmlns:mc="http://schemas.openxmlformats.org/markup-compatibility/2006" xmlns:a14="http://schemas.microsoft.com/office/drawing/2010/main">
+        <mc:Choice Requires="a14">
           <p:sp>
             <p:nvSpPr>
               <p:cNvPr id="18" name="TextBox 17">
@@ -8085,7 +10970,7 @@
             </p:txBody>
           </p:sp>
         </mc:Choice>
-        <mc:Fallback>
+        <mc:Fallback xmlns="">
           <p:sp>
             <p:nvSpPr>
               <p:cNvPr id="18" name="TextBox 17">
@@ -8260,8 +11145,8 @@
           </p:sp>
         </mc:Fallback>
       </mc:AlternateContent>
-      <mc:AlternateContent xmlns:mc="http://schemas.openxmlformats.org/markup-compatibility/2006">
-        <mc:Choice xmlns:a14="http://schemas.microsoft.com/office/drawing/2010/main" Requires="a14">
+      <mc:AlternateContent xmlns:mc="http://schemas.openxmlformats.org/markup-compatibility/2006" xmlns:a14="http://schemas.microsoft.com/office/drawing/2010/main">
+        <mc:Choice Requires="a14">
           <p:sp>
             <p:nvSpPr>
               <p:cNvPr id="20" name="TextBox 19">
@@ -8333,7 +11218,7 @@
             </p:txBody>
           </p:sp>
         </mc:Choice>
-        <mc:Fallback>
+        <mc:Fallback xmlns="">
           <p:sp>
             <p:nvSpPr>
               <p:cNvPr id="20" name="TextBox 19">
@@ -8378,8 +11263,8 @@
           </p:sp>
         </mc:Fallback>
       </mc:AlternateContent>
-      <mc:AlternateContent xmlns:mc="http://schemas.openxmlformats.org/markup-compatibility/2006">
-        <mc:Choice xmlns:a14="http://schemas.microsoft.com/office/drawing/2010/main" Requires="a14">
+      <mc:AlternateContent xmlns:mc="http://schemas.openxmlformats.org/markup-compatibility/2006" xmlns:a14="http://schemas.microsoft.com/office/drawing/2010/main">
+        <mc:Choice Requires="a14">
           <p:sp>
             <p:nvSpPr>
               <p:cNvPr id="21" name="TextBox 20">
@@ -8451,7 +11336,7 @@
             </p:txBody>
           </p:sp>
         </mc:Choice>
-        <mc:Fallback>
+        <mc:Fallback xmlns="">
           <p:sp>
             <p:nvSpPr>
               <p:cNvPr id="21" name="TextBox 20">
@@ -8496,8 +11381,8 @@
           </p:sp>
         </mc:Fallback>
       </mc:AlternateContent>
-      <mc:AlternateContent xmlns:mc="http://schemas.openxmlformats.org/markup-compatibility/2006">
-        <mc:Choice xmlns:a14="http://schemas.microsoft.com/office/drawing/2010/main" Requires="a14">
+      <mc:AlternateContent xmlns:mc="http://schemas.openxmlformats.org/markup-compatibility/2006" xmlns:a14="http://schemas.microsoft.com/office/drawing/2010/main">
+        <mc:Choice Requires="a14">
           <p:sp>
             <p:nvSpPr>
               <p:cNvPr id="22" name="TextBox 21">
@@ -8578,7 +11463,7 @@
             </p:txBody>
           </p:sp>
         </mc:Choice>
-        <mc:Fallback>
+        <mc:Fallback xmlns="">
           <p:sp>
             <p:nvSpPr>
               <p:cNvPr id="22" name="TextBox 21">
@@ -8623,8 +11508,8 @@
           </p:sp>
         </mc:Fallback>
       </mc:AlternateContent>
-      <mc:AlternateContent xmlns:mc="http://schemas.openxmlformats.org/markup-compatibility/2006">
-        <mc:Choice xmlns:a14="http://schemas.microsoft.com/office/drawing/2010/main" Requires="a14">
+      <mc:AlternateContent xmlns:mc="http://schemas.openxmlformats.org/markup-compatibility/2006" xmlns:a14="http://schemas.microsoft.com/office/drawing/2010/main">
+        <mc:Choice Requires="a14">
           <p:sp>
             <p:nvSpPr>
               <p:cNvPr id="23" name="TextBox 22">
@@ -8716,7 +11601,7 @@
             </p:txBody>
           </p:sp>
         </mc:Choice>
-        <mc:Fallback>
+        <mc:Fallback xmlns="">
           <p:sp>
             <p:nvSpPr>
               <p:cNvPr id="23" name="TextBox 22">
@@ -8761,8 +11646,8 @@
           </p:sp>
         </mc:Fallback>
       </mc:AlternateContent>
-      <mc:AlternateContent xmlns:mc="http://schemas.openxmlformats.org/markup-compatibility/2006">
-        <mc:Choice xmlns:a14="http://schemas.microsoft.com/office/drawing/2010/main" Requires="a14">
+      <mc:AlternateContent xmlns:mc="http://schemas.openxmlformats.org/markup-compatibility/2006" xmlns:a14="http://schemas.microsoft.com/office/drawing/2010/main">
+        <mc:Choice Requires="a14">
           <p:sp>
             <p:nvSpPr>
               <p:cNvPr id="24" name="TextBox 23">
@@ -8837,7 +11722,7 @@
             </p:txBody>
           </p:sp>
         </mc:Choice>
-        <mc:Fallback>
+        <mc:Fallback xmlns="">
           <p:sp>
             <p:nvSpPr>
               <p:cNvPr id="24" name="TextBox 23">
@@ -8882,8 +11767,8 @@
           </p:sp>
         </mc:Fallback>
       </mc:AlternateContent>
-      <mc:AlternateContent xmlns:mc="http://schemas.openxmlformats.org/markup-compatibility/2006">
-        <mc:Choice xmlns:a14="http://schemas.microsoft.com/office/drawing/2010/main" Requires="a14">
+      <mc:AlternateContent xmlns:mc="http://schemas.openxmlformats.org/markup-compatibility/2006" xmlns:a14="http://schemas.microsoft.com/office/drawing/2010/main">
+        <mc:Choice Requires="a14">
           <p:sp>
             <p:nvSpPr>
               <p:cNvPr id="25" name="TextBox 24">
@@ -8958,7 +11843,7 @@
             </p:txBody>
           </p:sp>
         </mc:Choice>
-        <mc:Fallback>
+        <mc:Fallback xmlns="">
           <p:sp>
             <p:nvSpPr>
               <p:cNvPr id="25" name="TextBox 24">
@@ -9003,8 +11888,8 @@
           </p:sp>
         </mc:Fallback>
       </mc:AlternateContent>
-      <mc:AlternateContent xmlns:mc="http://schemas.openxmlformats.org/markup-compatibility/2006">
-        <mc:Choice xmlns:a14="http://schemas.microsoft.com/office/drawing/2010/main" Requires="a14">
+      <mc:AlternateContent xmlns:mc="http://schemas.openxmlformats.org/markup-compatibility/2006" xmlns:a14="http://schemas.microsoft.com/office/drawing/2010/main">
+        <mc:Choice Requires="a14">
           <p:sp>
             <p:nvSpPr>
               <p:cNvPr id="26" name="TextBox 25">
@@ -9088,7 +11973,7 @@
             </p:txBody>
           </p:sp>
         </mc:Choice>
-        <mc:Fallback>
+        <mc:Fallback xmlns="">
           <p:sp>
             <p:nvSpPr>
               <p:cNvPr id="26" name="TextBox 25">
@@ -9133,8 +12018,8 @@
           </p:sp>
         </mc:Fallback>
       </mc:AlternateContent>
-      <mc:AlternateContent xmlns:mc="http://schemas.openxmlformats.org/markup-compatibility/2006">
-        <mc:Choice xmlns:a14="http://schemas.microsoft.com/office/drawing/2010/main" Requires="a14">
+      <mc:AlternateContent xmlns:mc="http://schemas.openxmlformats.org/markup-compatibility/2006" xmlns:a14="http://schemas.microsoft.com/office/drawing/2010/main">
+        <mc:Choice Requires="a14">
           <p:sp>
             <p:nvSpPr>
               <p:cNvPr id="27" name="TextBox 26">
@@ -9218,7 +12103,7 @@
             </p:txBody>
           </p:sp>
         </mc:Choice>
-        <mc:Fallback>
+        <mc:Fallback xmlns="">
           <p:sp>
             <p:nvSpPr>
               <p:cNvPr id="27" name="TextBox 26">
@@ -23202,8 +26087,8 @@
           </a:prstGeom>
         </p:spPr>
       </p:pic>
-      <mc:AlternateContent xmlns:mc="http://schemas.openxmlformats.org/markup-compatibility/2006">
-        <mc:Choice xmlns:a14="http://schemas.microsoft.com/office/drawing/2010/main" Requires="a14">
+      <mc:AlternateContent xmlns:mc="http://schemas.openxmlformats.org/markup-compatibility/2006" xmlns:a14="http://schemas.microsoft.com/office/drawing/2010/main">
+        <mc:Choice Requires="a14">
           <p:sp>
             <p:nvSpPr>
               <p:cNvPr id="103" name="TextBox 102">
@@ -23278,7 +26163,7 @@
             </p:txBody>
           </p:sp>
         </mc:Choice>
-        <mc:Fallback>
+        <mc:Fallback xmlns="">
           <p:sp>
             <p:nvSpPr>
               <p:cNvPr id="103" name="TextBox 102">
@@ -23440,8 +26325,8 @@
             </a:p>
           </p:txBody>
         </p:sp>
-        <mc:AlternateContent xmlns:mc="http://schemas.openxmlformats.org/markup-compatibility/2006">
-          <mc:Choice xmlns:a14="http://schemas.microsoft.com/office/drawing/2010/main" Requires="a14">
+        <mc:AlternateContent xmlns:mc="http://schemas.openxmlformats.org/markup-compatibility/2006" xmlns:a14="http://schemas.microsoft.com/office/drawing/2010/main">
+          <mc:Choice Requires="a14">
             <p:sp>
               <p:nvSpPr>
                 <p:cNvPr id="98" name="TextBox 97">
@@ -23525,7 +26410,7 @@
               </p:txBody>
             </p:sp>
           </mc:Choice>
-          <mc:Fallback>
+          <mc:Fallback xmlns="">
             <p:sp>
               <p:nvSpPr>
                 <p:cNvPr id="98" name="TextBox 97">
@@ -23650,8 +26535,8 @@
             </a:p>
           </p:txBody>
         </p:sp>
-        <mc:AlternateContent xmlns:mc="http://schemas.openxmlformats.org/markup-compatibility/2006">
-          <mc:Choice xmlns:a14="http://schemas.microsoft.com/office/drawing/2010/main" Requires="a14">
+        <mc:AlternateContent xmlns:mc="http://schemas.openxmlformats.org/markup-compatibility/2006" xmlns:a14="http://schemas.microsoft.com/office/drawing/2010/main">
+          <mc:Choice Requires="a14">
             <p:sp>
               <p:nvSpPr>
                 <p:cNvPr id="99" name="TextBox 98">
@@ -23735,7 +26620,7 @@
               </p:txBody>
             </p:sp>
           </mc:Choice>
-          <mc:Fallback>
+          <mc:Fallback xmlns="">
             <p:sp>
               <p:nvSpPr>
                 <p:cNvPr id="99" name="TextBox 98">
@@ -23860,8 +26745,8 @@
             </a:p>
           </p:txBody>
         </p:sp>
-        <mc:AlternateContent xmlns:mc="http://schemas.openxmlformats.org/markup-compatibility/2006">
-          <mc:Choice xmlns:a14="http://schemas.microsoft.com/office/drawing/2010/main" Requires="a14">
+        <mc:AlternateContent xmlns:mc="http://schemas.openxmlformats.org/markup-compatibility/2006" xmlns:a14="http://schemas.microsoft.com/office/drawing/2010/main">
+          <mc:Choice Requires="a14">
             <p:sp>
               <p:nvSpPr>
                 <p:cNvPr id="112" name="TextBox 111">
@@ -23945,7 +26830,7 @@
               </p:txBody>
             </p:sp>
           </mc:Choice>
-          <mc:Fallback>
+          <mc:Fallback xmlns="">
             <p:sp>
               <p:nvSpPr>
                 <p:cNvPr id="112" name="TextBox 111">
@@ -24070,8 +26955,8 @@
             </a:p>
           </p:txBody>
         </p:sp>
-        <mc:AlternateContent xmlns:mc="http://schemas.openxmlformats.org/markup-compatibility/2006">
-          <mc:Choice xmlns:a14="http://schemas.microsoft.com/office/drawing/2010/main" Requires="a14">
+        <mc:AlternateContent xmlns:mc="http://schemas.openxmlformats.org/markup-compatibility/2006" xmlns:a14="http://schemas.microsoft.com/office/drawing/2010/main">
+          <mc:Choice Requires="a14">
             <p:sp>
               <p:nvSpPr>
                 <p:cNvPr id="115" name="TextBox 114">
@@ -24146,7 +27031,7 @@
               </p:txBody>
             </p:sp>
           </mc:Choice>
-          <mc:Fallback>
+          <mc:Fallback xmlns="">
             <p:sp>
               <p:nvSpPr>
                 <p:cNvPr id="115" name="TextBox 114">
@@ -24192,8 +27077,8 @@
           </mc:Fallback>
         </mc:AlternateContent>
       </p:grpSp>
-      <mc:AlternateContent xmlns:mc="http://schemas.openxmlformats.org/markup-compatibility/2006">
-        <mc:Choice xmlns:a14="http://schemas.microsoft.com/office/drawing/2010/main" Requires="a14">
+      <mc:AlternateContent xmlns:mc="http://schemas.openxmlformats.org/markup-compatibility/2006" xmlns:a14="http://schemas.microsoft.com/office/drawing/2010/main">
+        <mc:Choice Requires="a14">
           <p:sp>
             <p:nvSpPr>
               <p:cNvPr id="116" name="TextBox 115">
@@ -24268,7 +27153,7 @@
             </p:txBody>
           </p:sp>
         </mc:Choice>
-        <mc:Fallback>
+        <mc:Fallback xmlns="">
           <p:sp>
             <p:nvSpPr>
               <p:cNvPr id="116" name="TextBox 115">
@@ -24313,8 +27198,8 @@
           </p:sp>
         </mc:Fallback>
       </mc:AlternateContent>
-      <mc:AlternateContent xmlns:mc="http://schemas.openxmlformats.org/markup-compatibility/2006">
-        <mc:Choice xmlns:a14="http://schemas.microsoft.com/office/drawing/2010/main" Requires="a14">
+      <mc:AlternateContent xmlns:mc="http://schemas.openxmlformats.org/markup-compatibility/2006" xmlns:a14="http://schemas.microsoft.com/office/drawing/2010/main">
+        <mc:Choice Requires="a14">
           <p:sp>
             <p:nvSpPr>
               <p:cNvPr id="117" name="TextBox 116">
@@ -24389,7 +27274,7 @@
             </p:txBody>
           </p:sp>
         </mc:Choice>
-        <mc:Fallback>
+        <mc:Fallback xmlns="">
           <p:sp>
             <p:nvSpPr>
               <p:cNvPr id="117" name="TextBox 116">
@@ -24434,8 +27319,8 @@
           </p:sp>
         </mc:Fallback>
       </mc:AlternateContent>
-      <mc:AlternateContent xmlns:mc="http://schemas.openxmlformats.org/markup-compatibility/2006">
-        <mc:Choice xmlns:a14="http://schemas.microsoft.com/office/drawing/2010/main" Requires="a14">
+      <mc:AlternateContent xmlns:mc="http://schemas.openxmlformats.org/markup-compatibility/2006" xmlns:a14="http://schemas.microsoft.com/office/drawing/2010/main">
+        <mc:Choice Requires="a14">
           <p:sp>
             <p:nvSpPr>
               <p:cNvPr id="118" name="TextBox 117">
@@ -24510,7 +27395,7 @@
             </p:txBody>
           </p:sp>
         </mc:Choice>
-        <mc:Fallback>
+        <mc:Fallback xmlns="">
           <p:sp>
             <p:nvSpPr>
               <p:cNvPr id="118" name="TextBox 117">
@@ -28107,8 +30992,8 @@
           </a:prstGeom>
         </p:spPr>
       </p:pic>
-      <mc:AlternateContent xmlns:mc="http://schemas.openxmlformats.org/markup-compatibility/2006">
-        <mc:Choice xmlns:a14="http://schemas.microsoft.com/office/drawing/2010/main" Requires="a14">
+      <mc:AlternateContent xmlns:mc="http://schemas.openxmlformats.org/markup-compatibility/2006" xmlns:a14="http://schemas.microsoft.com/office/drawing/2010/main">
+        <mc:Choice Requires="a14">
           <p:sp>
             <p:nvSpPr>
               <p:cNvPr id="103" name="TextBox 102">
@@ -28183,7 +31068,7 @@
             </p:txBody>
           </p:sp>
         </mc:Choice>
-        <mc:Fallback>
+        <mc:Fallback xmlns="">
           <p:sp>
             <p:nvSpPr>
               <p:cNvPr id="103" name="TextBox 102">
@@ -28345,8 +31230,8 @@
             </a:p>
           </p:txBody>
         </p:sp>
-        <mc:AlternateContent xmlns:mc="http://schemas.openxmlformats.org/markup-compatibility/2006">
-          <mc:Choice xmlns:a14="http://schemas.microsoft.com/office/drawing/2010/main" Requires="a14">
+        <mc:AlternateContent xmlns:mc="http://schemas.openxmlformats.org/markup-compatibility/2006" xmlns:a14="http://schemas.microsoft.com/office/drawing/2010/main">
+          <mc:Choice Requires="a14">
             <p:sp>
               <p:nvSpPr>
                 <p:cNvPr id="98" name="TextBox 97">
@@ -28430,7 +31315,7 @@
               </p:txBody>
             </p:sp>
           </mc:Choice>
-          <mc:Fallback>
+          <mc:Fallback xmlns="">
             <p:sp>
               <p:nvSpPr>
                 <p:cNvPr id="98" name="TextBox 97">
@@ -28555,8 +31440,8 @@
             </a:p>
           </p:txBody>
         </p:sp>
-        <mc:AlternateContent xmlns:mc="http://schemas.openxmlformats.org/markup-compatibility/2006">
-          <mc:Choice xmlns:a14="http://schemas.microsoft.com/office/drawing/2010/main" Requires="a14">
+        <mc:AlternateContent xmlns:mc="http://schemas.openxmlformats.org/markup-compatibility/2006" xmlns:a14="http://schemas.microsoft.com/office/drawing/2010/main">
+          <mc:Choice Requires="a14">
             <p:sp>
               <p:nvSpPr>
                 <p:cNvPr id="99" name="TextBox 98">
@@ -28640,7 +31525,7 @@
               </p:txBody>
             </p:sp>
           </mc:Choice>
-          <mc:Fallback>
+          <mc:Fallback xmlns="">
             <p:sp>
               <p:nvSpPr>
                 <p:cNvPr id="99" name="TextBox 98">
@@ -28765,8 +31650,8 @@
             </a:p>
           </p:txBody>
         </p:sp>
-        <mc:AlternateContent xmlns:mc="http://schemas.openxmlformats.org/markup-compatibility/2006">
-          <mc:Choice xmlns:a14="http://schemas.microsoft.com/office/drawing/2010/main" Requires="a14">
+        <mc:AlternateContent xmlns:mc="http://schemas.openxmlformats.org/markup-compatibility/2006" xmlns:a14="http://schemas.microsoft.com/office/drawing/2010/main">
+          <mc:Choice Requires="a14">
             <p:sp>
               <p:nvSpPr>
                 <p:cNvPr id="112" name="TextBox 111">
@@ -28850,7 +31735,7 @@
               </p:txBody>
             </p:sp>
           </mc:Choice>
-          <mc:Fallback>
+          <mc:Fallback xmlns="">
             <p:sp>
               <p:nvSpPr>
                 <p:cNvPr id="112" name="TextBox 111">
@@ -28975,8 +31860,8 @@
             </a:p>
           </p:txBody>
         </p:sp>
-        <mc:AlternateContent xmlns:mc="http://schemas.openxmlformats.org/markup-compatibility/2006">
-          <mc:Choice xmlns:a14="http://schemas.microsoft.com/office/drawing/2010/main" Requires="a14">
+        <mc:AlternateContent xmlns:mc="http://schemas.openxmlformats.org/markup-compatibility/2006" xmlns:a14="http://schemas.microsoft.com/office/drawing/2010/main">
+          <mc:Choice Requires="a14">
             <p:sp>
               <p:nvSpPr>
                 <p:cNvPr id="115" name="TextBox 114">
@@ -29051,7 +31936,7 @@
               </p:txBody>
             </p:sp>
           </mc:Choice>
-          <mc:Fallback>
+          <mc:Fallback xmlns="">
             <p:sp>
               <p:nvSpPr>
                 <p:cNvPr id="115" name="TextBox 114">
@@ -29097,8 +31982,8 @@
           </mc:Fallback>
         </mc:AlternateContent>
       </p:grpSp>
-      <mc:AlternateContent xmlns:mc="http://schemas.openxmlformats.org/markup-compatibility/2006">
-        <mc:Choice xmlns:a14="http://schemas.microsoft.com/office/drawing/2010/main" Requires="a14">
+      <mc:AlternateContent xmlns:mc="http://schemas.openxmlformats.org/markup-compatibility/2006" xmlns:a14="http://schemas.microsoft.com/office/drawing/2010/main">
+        <mc:Choice Requires="a14">
           <p:sp>
             <p:nvSpPr>
               <p:cNvPr id="116" name="TextBox 115">
@@ -29173,7 +32058,7 @@
             </p:txBody>
           </p:sp>
         </mc:Choice>
-        <mc:Fallback>
+        <mc:Fallback xmlns="">
           <p:sp>
             <p:nvSpPr>
               <p:cNvPr id="116" name="TextBox 115">
@@ -29218,8 +32103,8 @@
           </p:sp>
         </mc:Fallback>
       </mc:AlternateContent>
-      <mc:AlternateContent xmlns:mc="http://schemas.openxmlformats.org/markup-compatibility/2006">
-        <mc:Choice xmlns:a14="http://schemas.microsoft.com/office/drawing/2010/main" Requires="a14">
+      <mc:AlternateContent xmlns:mc="http://schemas.openxmlformats.org/markup-compatibility/2006" xmlns:a14="http://schemas.microsoft.com/office/drawing/2010/main">
+        <mc:Choice Requires="a14">
           <p:sp>
             <p:nvSpPr>
               <p:cNvPr id="117" name="TextBox 116">
@@ -29294,7 +32179,7 @@
             </p:txBody>
           </p:sp>
         </mc:Choice>
-        <mc:Fallback>
+        <mc:Fallback xmlns="">
           <p:sp>
             <p:nvSpPr>
               <p:cNvPr id="117" name="TextBox 116">
@@ -29339,8 +32224,8 @@
           </p:sp>
         </mc:Fallback>
       </mc:AlternateContent>
-      <mc:AlternateContent xmlns:mc="http://schemas.openxmlformats.org/markup-compatibility/2006">
-        <mc:Choice xmlns:a14="http://schemas.microsoft.com/office/drawing/2010/main" Requires="a14">
+      <mc:AlternateContent xmlns:mc="http://schemas.openxmlformats.org/markup-compatibility/2006" xmlns:a14="http://schemas.microsoft.com/office/drawing/2010/main">
+        <mc:Choice Requires="a14">
           <p:sp>
             <p:nvSpPr>
               <p:cNvPr id="118" name="TextBox 117">
@@ -29415,7 +32300,7 @@
             </p:txBody>
           </p:sp>
         </mc:Choice>
-        <mc:Fallback>
+        <mc:Fallback xmlns="">
           <p:sp>
             <p:nvSpPr>
               <p:cNvPr id="118" name="TextBox 117">
